--- a/InstructionManual/TeamPlayTrackerHowTo.pptx
+++ b/InstructionManual/TeamPlayTrackerHowTo.pptx
@@ -5,25 +5,17 @@
     <p:sldMasterId id="2147483648" r:id="rId1"/>
   </p:sldMasterIdLst>
   <p:notesMasterIdLst>
-    <p:notesMasterId r:id="rId18"/>
+    <p:notesMasterId r:id="rId10"/>
   </p:notesMasterIdLst>
   <p:sldIdLst>
     <p:sldId id="256" r:id="rId2"/>
-    <p:sldId id="257" r:id="rId3"/>
-    <p:sldId id="258" r:id="rId4"/>
-    <p:sldId id="261" r:id="rId5"/>
-    <p:sldId id="259" r:id="rId6"/>
-    <p:sldId id="260" r:id="rId7"/>
-    <p:sldId id="262" r:id="rId8"/>
-    <p:sldId id="266" r:id="rId9"/>
-    <p:sldId id="263" r:id="rId10"/>
-    <p:sldId id="265" r:id="rId11"/>
-    <p:sldId id="267" r:id="rId12"/>
-    <p:sldId id="268" r:id="rId13"/>
-    <p:sldId id="269" r:id="rId14"/>
-    <p:sldId id="270" r:id="rId15"/>
-    <p:sldId id="271" r:id="rId16"/>
-    <p:sldId id="272" r:id="rId17"/>
+    <p:sldId id="265" r:id="rId3"/>
+    <p:sldId id="267" r:id="rId4"/>
+    <p:sldId id="268" r:id="rId5"/>
+    <p:sldId id="269" r:id="rId6"/>
+    <p:sldId id="270" r:id="rId7"/>
+    <p:sldId id="271" r:id="rId8"/>
+    <p:sldId id="272" r:id="rId9"/>
   </p:sldIdLst>
   <p:sldSz cx="12192000" cy="6858000"/>
   <p:notesSz cx="6858000" cy="9144000"/>
@@ -238,7 +230,7 @@
           <a:p>
             <a:fld id="{966C1C76-48F6-4369-8696-15EAB0F9D95D}" type="datetimeFigureOut">
               <a:rPr lang="en-US" smtClean="0"/>
-              <a:t>12/10/2017</a:t>
+              <a:t>12/11/2017</a:t>
             </a:fld>
             <a:endParaRPr lang="en-US"/>
           </a:p>
@@ -718,7 +710,7 @@
           <a:p>
             <a:fld id="{380B5943-9FF7-410E-85CC-7B3300C0AEEF}" type="datetimeFigureOut">
               <a:rPr lang="en-US" smtClean="0"/>
-              <a:t>12/10/2017</a:t>
+              <a:t>12/11/2017</a:t>
             </a:fld>
             <a:endParaRPr lang="en-US"/>
           </a:p>
@@ -886,7 +878,7 @@
           <a:p>
             <a:fld id="{380B5943-9FF7-410E-85CC-7B3300C0AEEF}" type="datetimeFigureOut">
               <a:rPr lang="en-US" smtClean="0"/>
-              <a:t>12/10/2017</a:t>
+              <a:t>12/11/2017</a:t>
             </a:fld>
             <a:endParaRPr lang="en-US"/>
           </a:p>
@@ -1064,7 +1056,7 @@
           <a:p>
             <a:fld id="{380B5943-9FF7-410E-85CC-7B3300C0AEEF}" type="datetimeFigureOut">
               <a:rPr lang="en-US" smtClean="0"/>
-              <a:t>12/10/2017</a:t>
+              <a:t>12/11/2017</a:t>
             </a:fld>
             <a:endParaRPr lang="en-US"/>
           </a:p>
@@ -1232,7 +1224,7 @@
           <a:p>
             <a:fld id="{380B5943-9FF7-410E-85CC-7B3300C0AEEF}" type="datetimeFigureOut">
               <a:rPr lang="en-US" smtClean="0"/>
-              <a:t>12/10/2017</a:t>
+              <a:t>12/11/2017</a:t>
             </a:fld>
             <a:endParaRPr lang="en-US"/>
           </a:p>
@@ -1477,7 +1469,7 @@
           <a:p>
             <a:fld id="{380B5943-9FF7-410E-85CC-7B3300C0AEEF}" type="datetimeFigureOut">
               <a:rPr lang="en-US" smtClean="0"/>
-              <a:t>12/10/2017</a:t>
+              <a:t>12/11/2017</a:t>
             </a:fld>
             <a:endParaRPr lang="en-US"/>
           </a:p>
@@ -1706,7 +1698,7 @@
           <a:p>
             <a:fld id="{380B5943-9FF7-410E-85CC-7B3300C0AEEF}" type="datetimeFigureOut">
               <a:rPr lang="en-US" smtClean="0"/>
-              <a:t>12/10/2017</a:t>
+              <a:t>12/11/2017</a:t>
             </a:fld>
             <a:endParaRPr lang="en-US"/>
           </a:p>
@@ -2070,7 +2062,7 @@
           <a:p>
             <a:fld id="{380B5943-9FF7-410E-85CC-7B3300C0AEEF}" type="datetimeFigureOut">
               <a:rPr lang="en-US" smtClean="0"/>
-              <a:t>12/10/2017</a:t>
+              <a:t>12/11/2017</a:t>
             </a:fld>
             <a:endParaRPr lang="en-US"/>
           </a:p>
@@ -2187,7 +2179,7 @@
           <a:p>
             <a:fld id="{380B5943-9FF7-410E-85CC-7B3300C0AEEF}" type="datetimeFigureOut">
               <a:rPr lang="en-US" smtClean="0"/>
-              <a:t>12/10/2017</a:t>
+              <a:t>12/11/2017</a:t>
             </a:fld>
             <a:endParaRPr lang="en-US"/>
           </a:p>
@@ -2282,7 +2274,7 @@
           <a:p>
             <a:fld id="{380B5943-9FF7-410E-85CC-7B3300C0AEEF}" type="datetimeFigureOut">
               <a:rPr lang="en-US" smtClean="0"/>
-              <a:t>12/10/2017</a:t>
+              <a:t>12/11/2017</a:t>
             </a:fld>
             <a:endParaRPr lang="en-US"/>
           </a:p>
@@ -2557,7 +2549,7 @@
           <a:p>
             <a:fld id="{380B5943-9FF7-410E-85CC-7B3300C0AEEF}" type="datetimeFigureOut">
               <a:rPr lang="en-US" smtClean="0"/>
-              <a:t>12/10/2017</a:t>
+              <a:t>12/11/2017</a:t>
             </a:fld>
             <a:endParaRPr lang="en-US"/>
           </a:p>
@@ -2809,7 +2801,7 @@
           <a:p>
             <a:fld id="{380B5943-9FF7-410E-85CC-7B3300C0AEEF}" type="datetimeFigureOut">
               <a:rPr lang="en-US" smtClean="0"/>
-              <a:t>12/10/2017</a:t>
+              <a:t>12/11/2017</a:t>
             </a:fld>
             <a:endParaRPr lang="en-US"/>
           </a:p>
@@ -3020,7 +3012,7 @@
           <a:p>
             <a:fld id="{380B5943-9FF7-410E-85CC-7B3300C0AEEF}" type="datetimeFigureOut">
               <a:rPr lang="en-US" smtClean="0"/>
-              <a:t>12/10/2017</a:t>
+              <a:t>12/11/2017</a:t>
             </a:fld>
             <a:endParaRPr lang="en-US"/>
           </a:p>
@@ -3447,8 +3439,8 @@
         </p:blipFill>
         <p:spPr>
           <a:xfrm>
-            <a:off x="9361088" y="4145839"/>
-            <a:ext cx="2485896" cy="1910303"/>
+            <a:off x="9115461" y="395157"/>
+            <a:ext cx="2649391" cy="2035942"/>
           </a:xfrm>
           <a:prstGeom prst="rect">
             <a:avLst/>
@@ -3784,7 +3776,7 @@
         </p:nvSpPr>
         <p:spPr>
           <a:xfrm>
-            <a:off x="306036" y="3704060"/>
+            <a:off x="388819" y="4273506"/>
             <a:ext cx="6425336" cy="1437682"/>
           </a:xfrm>
         </p:spPr>
@@ -3794,7 +3786,6 @@
           </a:bodyPr>
           <a:lstStyle/>
           <a:p>
-            <a:pPr algn="l"/>
             <a:r>
               <a:rPr lang="en-US" sz="3100" dirty="0">
                 <a:solidFill>
@@ -3833,126 +3824,39 @@
               </a:rPr>
               <a:t>Team-Play Tournament Tracker</a:t>
             </a:r>
-          </a:p>
-        </p:txBody>
-      </p:sp>
-      <p:sp>
-        <p:nvSpPr>
-          <p:cNvPr id="3" name="Subtitle 2"/>
-          <p:cNvSpPr>
-            <a:spLocks noGrp="1"/>
-          </p:cNvSpPr>
-          <p:nvPr>
-            <p:ph type="subTitle" idx="1"/>
-          </p:nvPr>
-        </p:nvSpPr>
-        <p:spPr>
-          <a:xfrm>
-            <a:off x="416236" y="5674593"/>
-            <a:ext cx="4375035" cy="875240"/>
-          </a:xfrm>
-        </p:spPr>
-        <p:txBody>
-          <a:bodyPr anchor="b">
-            <a:normAutofit/>
-          </a:bodyPr>
-          <a:lstStyle/>
-          <a:p>
-            <a:pPr algn="l"/>
-            <a:r>
-              <a:rPr lang="en-US" sz="2000" dirty="0">
-                <a:solidFill>
-                  <a:schemeClr val="bg1"/>
-                </a:solidFill>
-              </a:rPr>
-              <a:t>Dustin Fast, Tricia Reilley, Brooks Woods</a:t>
-            </a:r>
-          </a:p>
-          <a:p>
-            <a:pPr algn="l"/>
-            <a:r>
-              <a:rPr lang="en-US" sz="2000" dirty="0">
-                <a:solidFill>
-                  <a:schemeClr val="bg1"/>
-                </a:solidFill>
-              </a:rPr>
-              <a:t>Fall 2017, CSCE A401</a:t>
-            </a:r>
-          </a:p>
-        </p:txBody>
-      </p:sp>
-      <p:pic>
-        <p:nvPicPr>
-          <p:cNvPr id="6" name="Picture 5" descr="A black sign with white text&#10;&#10;Description generated with high confidence">
-            <a:extLst>
-              <a:ext uri="{FF2B5EF4-FFF2-40B4-BE49-F238E27FC236}">
-                <a16:creationId xmlns:a16="http://schemas.microsoft.com/office/drawing/2014/main" id="{CA9E940B-95CE-4966-BF1E-898FA3C17210}"/>
-              </a:ext>
-            </a:extLst>
-          </p:cNvPr>
-          <p:cNvPicPr>
-            <a:picLocks noChangeAspect="1"/>
-          </p:cNvPicPr>
-          <p:nvPr/>
-        </p:nvPicPr>
-        <p:blipFill>
-          <a:blip r:embed="rId4">
-            <a:extLst>
-              <a:ext uri="{28A0092B-C50C-407E-A947-70E740481C1C}">
-                <a14:useLocalDpi xmlns:a14="http://schemas.microsoft.com/office/drawing/2010/main" val="0"/>
-              </a:ext>
-            </a:extLst>
-          </a:blip>
-          <a:stretch>
-            <a:fillRect/>
-          </a:stretch>
-        </p:blipFill>
-        <p:spPr>
-          <a:xfrm>
-            <a:off x="9626331" y="527035"/>
-            <a:ext cx="1955409" cy="1955409"/>
-          </a:xfrm>
-          <a:prstGeom prst="rect">
-            <a:avLst/>
-          </a:prstGeom>
-        </p:spPr>
-      </p:pic>
-      <p:pic>
-        <p:nvPicPr>
-          <p:cNvPr id="5" name="Picture 4" descr="A close up of a logo&#10;&#10;Description generated with high confidence">
-            <a:extLst>
-              <a:ext uri="{FF2B5EF4-FFF2-40B4-BE49-F238E27FC236}">
-                <a16:creationId xmlns:a16="http://schemas.microsoft.com/office/drawing/2014/main" id="{10F0B0D5-1F99-404B-A28D-1F9141AE0D58}"/>
-              </a:ext>
-            </a:extLst>
-          </p:cNvPr>
-          <p:cNvPicPr>
-            <a:picLocks noChangeAspect="1"/>
-          </p:cNvPicPr>
-          <p:nvPr/>
-        </p:nvPicPr>
-        <p:blipFill>
-          <a:blip r:embed="rId5">
-            <a:extLst>
-              <a:ext uri="{28A0092B-C50C-407E-A947-70E740481C1C}">
-                <a14:useLocalDpi xmlns:a14="http://schemas.microsoft.com/office/drawing/2010/main" val="0"/>
-              </a:ext>
-            </a:extLst>
-          </a:blip>
-          <a:stretch>
-            <a:fillRect/>
-          </a:stretch>
-        </p:blipFill>
-        <p:spPr>
-          <a:xfrm>
-            <a:off x="9185180" y="2841190"/>
-            <a:ext cx="2837709" cy="945903"/>
-          </a:xfrm>
-          <a:prstGeom prst="rect">
-            <a:avLst/>
-          </a:prstGeom>
-        </p:spPr>
-      </p:pic>
+            <a:br>
+              <a:rPr lang="en-US" sz="4400" b="1" dirty="0">
+                <a:solidFill>
+                  <a:schemeClr val="bg1"/>
+                </a:solidFill>
+              </a:rPr>
+            </a:br>
+            <a:br>
+              <a:rPr lang="en-US" sz="4400" b="1" dirty="0">
+                <a:solidFill>
+                  <a:schemeClr val="bg1"/>
+                </a:solidFill>
+              </a:rPr>
+            </a:br>
+            <a:r>
+              <a:rPr lang="en-US" sz="4400" b="1" dirty="0">
+                <a:solidFill>
+                  <a:schemeClr val="bg1"/>
+                </a:solidFill>
+              </a:rPr>
+              <a:t>- </a:t>
+            </a:r>
+            <a:r>
+              <a:rPr lang="en-US" sz="3600" dirty="0">
+                <a:solidFill>
+                  <a:schemeClr val="bg1"/>
+                </a:solidFill>
+              </a:rPr>
+              <a:t>Instructions - </a:t>
+            </a:r>
+          </a:p>
+        </p:txBody>
+      </p:sp>
     </p:spTree>
     <p:extLst>
       <p:ext uri="{BB962C8B-B14F-4D97-AF65-F5344CB8AC3E}">
@@ -3966,7 +3870,7 @@
 </p:sld>
 </file>
 
-<file path=ppt/slides/slide10.xml><?xml version="1.0" encoding="utf-8"?>
+<file path=ppt/slides/slide2.xml><?xml version="1.0" encoding="utf-8"?>
 <p:sld xmlns:a="http://schemas.openxmlformats.org/drawingml/2006/main" xmlns:r="http://schemas.openxmlformats.org/officeDocument/2006/relationships" xmlns:p="http://schemas.openxmlformats.org/presentationml/2006/main">
   <p:cSld>
     <p:bg>
@@ -4236,7 +4140,7 @@
                   <a:schemeClr val="bg1"/>
                 </a:solidFill>
               </a:rPr>
-              <a:t>Application Demonstration:</a:t>
+              <a:t>How To:</a:t>
             </a:r>
             <a:br>
               <a:rPr lang="en-US" sz="3700" dirty="0">
@@ -4287,7 +4191,22 @@
                   <a:schemeClr val="bg1"/>
                 </a:solidFill>
               </a:rPr>
-              <a:t>Members must first be added to the Member pool. This is the collection of all members who can be assigned to an event. </a:t>
+              <a:t>Members must first be added to the Member pool. This is the collection of all members who can be assigned to team-play events. </a:t>
+            </a:r>
+            <a:br>
+              <a:rPr lang="en-US" sz="2000" dirty="0">
+                <a:solidFill>
+                  <a:schemeClr val="bg1"/>
+                </a:solidFill>
+              </a:rPr>
+            </a:br>
+            <a:r>
+              <a:rPr lang="en-US" sz="2000" dirty="0">
+                <a:solidFill>
+                  <a:schemeClr val="bg1"/>
+                </a:solidFill>
+              </a:rPr>
+              <a:t>After adding a member to the pool, you do not need to enter their information again – they can now be assigned to any number of events.</a:t>
             </a:r>
             <a:br>
               <a:rPr lang="en-US" sz="2000" dirty="0">
@@ -4406,7 +4325,7 @@
 </p:sld>
 </file>
 
-<file path=ppt/slides/slide11.xml><?xml version="1.0" encoding="utf-8"?>
+<file path=ppt/slides/slide3.xml><?xml version="1.0" encoding="utf-8"?>
 <p:sld xmlns:a="http://schemas.openxmlformats.org/drawingml/2006/main" xmlns:r="http://schemas.openxmlformats.org/officeDocument/2006/relationships" xmlns:p="http://schemas.openxmlformats.org/presentationml/2006/main">
   <p:cSld>
     <p:bg>
@@ -4676,7 +4595,7 @@
                   <a:schemeClr val="bg1"/>
                 </a:solidFill>
               </a:rPr>
-              <a:t>Application Demonstration:</a:t>
+              <a:t>How To:</a:t>
             </a:r>
             <a:br>
               <a:rPr lang="en-US" sz="3700" dirty="0">
@@ -4903,7 +4822,7 @@
 </p:sld>
 </file>
 
-<file path=ppt/slides/slide12.xml><?xml version="1.0" encoding="utf-8"?>
+<file path=ppt/slides/slide4.xml><?xml version="1.0" encoding="utf-8"?>
 <p:sld xmlns:a="http://schemas.openxmlformats.org/drawingml/2006/main" xmlns:r="http://schemas.openxmlformats.org/officeDocument/2006/relationships" xmlns:p="http://schemas.openxmlformats.org/presentationml/2006/main">
   <p:cSld>
     <p:bg>
@@ -5173,7 +5092,7 @@
                   <a:schemeClr val="bg1"/>
                 </a:solidFill>
               </a:rPr>
-              <a:t>Application Demonstration:</a:t>
+              <a:t>How To:</a:t>
             </a:r>
             <a:br>
               <a:rPr lang="en-US" sz="3700" dirty="0">
@@ -5206,7 +5125,7 @@
         <p:spPr>
           <a:xfrm>
             <a:off x="626659" y="1313834"/>
-            <a:ext cx="4711904" cy="3399518"/>
+            <a:ext cx="4711904" cy="4944604"/>
           </a:xfrm>
         </p:spPr>
         <p:txBody>
@@ -5224,7 +5143,7 @@
                   <a:schemeClr val="bg1"/>
                 </a:solidFill>
               </a:rPr>
-              <a:t>Select an Event to manage from the event dropdown box. </a:t>
+              <a:t>Step 1: Select an Event to manage from the event dropdown box. </a:t>
             </a:r>
             <a:br>
               <a:rPr lang="en-US" sz="2000" dirty="0">
@@ -5270,6 +5189,13 @@
               </a:rPr>
               <a:t>The event may also be deleted from this screen at any time by checking “Delete Event?” and clicking “Delete”.</a:t>
             </a:r>
+            <a:br>
+              <a:rPr lang="en-US" sz="2000" dirty="0">
+                <a:solidFill>
+                  <a:schemeClr val="bg1"/>
+                </a:solidFill>
+              </a:rPr>
+            </a:br>
             <a:br>
               <a:rPr lang="en-US" sz="2000" dirty="0">
                 <a:solidFill>
@@ -5328,7 +5254,7 @@
 </p:sld>
 </file>
 
-<file path=ppt/slides/slide13.xml><?xml version="1.0" encoding="utf-8"?>
+<file path=ppt/slides/slide5.xml><?xml version="1.0" encoding="utf-8"?>
 <p:sld xmlns:a="http://schemas.openxmlformats.org/drawingml/2006/main" xmlns:r="http://schemas.openxmlformats.org/officeDocument/2006/relationships" xmlns:p="http://schemas.openxmlformats.org/presentationml/2006/main">
   <p:cSld>
     <p:bg>
@@ -5631,7 +5557,7 @@
         <p:spPr>
           <a:xfrm>
             <a:off x="626659" y="1313834"/>
-            <a:ext cx="4711904" cy="3399518"/>
+            <a:ext cx="4711904" cy="5070540"/>
           </a:xfrm>
         </p:spPr>
         <p:txBody>
@@ -5649,7 +5575,7 @@
                   <a:schemeClr val="bg1"/>
                 </a:solidFill>
               </a:rPr>
-              <a:t>To assign players to the event, click the tab labeled “Step 2: Assign Players”.</a:t>
+              <a:t>Step 2: Assign players to the event by clicking the tab labeled “Step 2: Assign Players”.</a:t>
             </a:r>
             <a:br>
               <a:rPr lang="en-US" sz="2000" dirty="0">
@@ -5671,7 +5597,7 @@
                   <a:schemeClr val="bg1"/>
                 </a:solidFill>
               </a:rPr>
-              <a:t>Use the arrow buttons to add or remove players to/from the event. The list on the left reflects the members pool.</a:t>
+              <a:t>Use the arrow buttons to add or remove players to the event from the members pool on the left.</a:t>
             </a:r>
             <a:br>
               <a:rPr lang="en-US" sz="2000" dirty="0">
@@ -5693,7 +5619,7 @@
                   <a:schemeClr val="bg1"/>
                 </a:solidFill>
               </a:rPr>
-              <a:t>If a member is not found in the list, you may click “Manage All Members” to open the Manage Members tool described previously, and add them.</a:t>
+              <a:t>If a member is not found in the pool, you may click “Manage All Members” to open the Manage Members tool (described previously) and add them.</a:t>
             </a:r>
           </a:p>
         </p:txBody>
@@ -5741,7 +5667,7 @@
 </p:sld>
 </file>
 
-<file path=ppt/slides/slide14.xml><?xml version="1.0" encoding="utf-8"?>
+<file path=ppt/slides/slide6.xml><?xml version="1.0" encoding="utf-8"?>
 <p:sld xmlns:a="http://schemas.openxmlformats.org/drawingml/2006/main" xmlns:r="http://schemas.openxmlformats.org/officeDocument/2006/relationships" xmlns:p="http://schemas.openxmlformats.org/presentationml/2006/main">
   <p:cSld>
     <p:bg>
@@ -6044,12 +5970,12 @@
         <p:spPr>
           <a:xfrm>
             <a:off x="626658" y="1313834"/>
-            <a:ext cx="4958300" cy="4659882"/>
+            <a:ext cx="4958300" cy="5387970"/>
           </a:xfrm>
         </p:spPr>
         <p:txBody>
           <a:bodyPr>
-            <a:normAutofit lnSpcReduction="10000"/>
+            <a:normAutofit fontScale="92500" lnSpcReduction="10000"/>
           </a:bodyPr>
           <a:lstStyle/>
           <a:p>
@@ -6062,7 +5988,7 @@
                   <a:schemeClr val="bg1"/>
                 </a:solidFill>
               </a:rPr>
-              <a:t>To create teams and rounds for the event, click the tab labeled “Step 3: Teams/Rounds”.</a:t>
+              <a:t>Step 3: Create teams and rounds for the event by clicking the tab labeled “Step 3: Teams/Rounds”.</a:t>
             </a:r>
             <a:br>
               <a:rPr lang="en-US" sz="2000" dirty="0">
@@ -6084,7 +6010,7 @@
                   <a:schemeClr val="bg1"/>
                 </a:solidFill>
               </a:rPr>
-              <a:t>Click “Generate Teams” to create teams for the event. The “View Teams” button will then become available – click it to open a spreadsheet of the teams in your default spreadsheet application.</a:t>
+              <a:t>Click “Generate Teams” to create teams for the event using the players current handicap. The “View Teams” button will then become available – click it to open a spreadsheet of the teams in your default spreadsheet application.</a:t>
             </a:r>
           </a:p>
           <a:p>
@@ -6142,7 +6068,37 @@
                   <a:schemeClr val="bg1"/>
                 </a:solidFill>
               </a:rPr>
-              <a:t>and the results cannot be modified.</a:t>
+              <a:t>and the results cannot be modified. If</a:t>
+            </a:r>
+            <a:br>
+              <a:rPr lang="en-US" sz="2000" dirty="0">
+                <a:solidFill>
+                  <a:schemeClr val="bg1"/>
+                </a:solidFill>
+              </a:rPr>
+            </a:br>
+            <a:r>
+              <a:rPr lang="en-US" sz="2000" dirty="0">
+                <a:solidFill>
+                  <a:schemeClr val="bg1"/>
+                </a:solidFill>
+              </a:rPr>
+              <a:t>a mistake was made, the event must</a:t>
+            </a:r>
+            <a:br>
+              <a:rPr lang="en-US" sz="2000" dirty="0">
+                <a:solidFill>
+                  <a:schemeClr val="bg1"/>
+                </a:solidFill>
+              </a:rPr>
+            </a:br>
+            <a:r>
+              <a:rPr lang="en-US" sz="2000" dirty="0">
+                <a:solidFill>
+                  <a:schemeClr val="bg1"/>
+                </a:solidFill>
+              </a:rPr>
+              <a:t>be deleted and re-created.</a:t>
             </a:r>
           </a:p>
         </p:txBody>
@@ -6190,7 +6146,7 @@
 </p:sld>
 </file>
 
-<file path=ppt/slides/slide15.xml><?xml version="1.0" encoding="utf-8"?>
+<file path=ppt/slides/slide7.xml><?xml version="1.0" encoding="utf-8"?>
 <p:sld xmlns:a="http://schemas.openxmlformats.org/drawingml/2006/main" xmlns:r="http://schemas.openxmlformats.org/officeDocument/2006/relationships" xmlns:p="http://schemas.openxmlformats.org/presentationml/2006/main">
   <p:cSld>
     <p:bg>
@@ -6493,7 +6449,7 @@
         <p:spPr>
           <a:xfrm>
             <a:off x="626658" y="1313834"/>
-            <a:ext cx="4958300" cy="4659882"/>
+            <a:ext cx="4958300" cy="5305984"/>
           </a:xfrm>
         </p:spPr>
         <p:txBody>
@@ -6533,7 +6489,7 @@
                   <a:schemeClr val="bg1"/>
                 </a:solidFill>
               </a:rPr>
-              <a:t>Click “Enter Scores” to fill out scorecards for each round by group. </a:t>
+              <a:t>Click “Enter Scores” to fill out scorecards for each round, by group. </a:t>
             </a:r>
           </a:p>
           <a:p>
@@ -6569,6 +6525,58 @@
                 </a:solidFill>
               </a:rPr>
               <a:t>calculating the Team award</a:t>
+            </a:r>
+            <a:br>
+              <a:rPr lang="en-US" sz="2000" dirty="0">
+                <a:solidFill>
+                  <a:schemeClr val="bg1"/>
+                </a:solidFill>
+              </a:rPr>
+            </a:br>
+            <a:br>
+              <a:rPr lang="en-US" sz="2000" dirty="0">
+                <a:solidFill>
+                  <a:schemeClr val="bg1"/>
+                </a:solidFill>
+              </a:rPr>
+            </a:br>
+            <a:r>
+              <a:rPr lang="en-US" sz="2000" dirty="0">
+                <a:solidFill>
+                  <a:schemeClr val="bg1"/>
+                </a:solidFill>
+              </a:rPr>
+              <a:t>Clicking “Save and go to Next -&gt;” will</a:t>
+            </a:r>
+            <a:br>
+              <a:rPr lang="en-US" sz="2000" dirty="0">
+                <a:solidFill>
+                  <a:schemeClr val="bg1"/>
+                </a:solidFill>
+              </a:rPr>
+            </a:br>
+            <a:r>
+              <a:rPr lang="en-US" sz="2000" dirty="0">
+                <a:solidFill>
+                  <a:schemeClr val="bg1"/>
+                </a:solidFill>
+              </a:rPr>
+              <a:t>save the current input and take you</a:t>
+            </a:r>
+            <a:br>
+              <a:rPr lang="en-US" sz="2000" dirty="0">
+                <a:solidFill>
+                  <a:schemeClr val="bg1"/>
+                </a:solidFill>
+              </a:rPr>
+            </a:br>
+            <a:r>
+              <a:rPr lang="en-US" sz="2000" dirty="0">
+                <a:solidFill>
+                  <a:schemeClr val="bg1"/>
+                </a:solidFill>
+              </a:rPr>
+              <a:t>to the scorecard for the next group.</a:t>
             </a:r>
           </a:p>
         </p:txBody>
@@ -6685,7 +6693,7 @@
 </p:sld>
 </file>
 
-<file path=ppt/slides/slide16.xml><?xml version="1.0" encoding="utf-8"?>
+<file path=ppt/slides/slide8.xml><?xml version="1.0" encoding="utf-8"?>
 <p:sld xmlns:a="http://schemas.openxmlformats.org/drawingml/2006/main" xmlns:r="http://schemas.openxmlformats.org/officeDocument/2006/relationships" xmlns:p="http://schemas.openxmlformats.org/presentationml/2006/main">
   <p:cSld>
     <p:bg>
@@ -6955,7 +6963,7 @@
                   <a:schemeClr val="bg1"/>
                 </a:solidFill>
               </a:rPr>
-              <a:t>Application Demonstration:</a:t>
+              <a:t>How To:</a:t>
             </a:r>
             <a:br>
               <a:rPr lang="en-US" sz="3700" dirty="0">
@@ -7134,3238 +7142,6 @@
     <p:extLst>
       <p:ext uri="{BB962C8B-B14F-4D97-AF65-F5344CB8AC3E}">
         <p14:creationId xmlns:p14="http://schemas.microsoft.com/office/powerpoint/2010/main" val="121270436"/>
-      </p:ext>
-    </p:extLst>
-  </p:cSld>
-  <p:clrMapOvr>
-    <a:masterClrMapping/>
-  </p:clrMapOvr>
-</p:sld>
-</file>
-
-<file path=ppt/slides/slide2.xml><?xml version="1.0" encoding="utf-8"?>
-<p:sld xmlns:a="http://schemas.openxmlformats.org/drawingml/2006/main" xmlns:r="http://schemas.openxmlformats.org/officeDocument/2006/relationships" xmlns:p="http://schemas.openxmlformats.org/presentationml/2006/main">
-  <p:cSld>
-    <p:spTree>
-      <p:nvGrpSpPr>
-        <p:cNvPr id="1" name=""/>
-        <p:cNvGrpSpPr/>
-        <p:nvPr/>
-      </p:nvGrpSpPr>
-      <p:grpSpPr>
-        <a:xfrm>
-          <a:off x="0" y="0"/>
-          <a:ext cx="0" cy="0"/>
-          <a:chOff x="0" y="0"/>
-          <a:chExt cx="0" cy="0"/>
-        </a:xfrm>
-      </p:grpSpPr>
-      <p:sp>
-        <p:nvSpPr>
-          <p:cNvPr id="5" name="Rectangle 7"/>
-          <p:cNvSpPr>
-            <a:spLocks noGrp="1" noRot="1" noChangeAspect="1" noMove="1" noResize="1" noEditPoints="1" noAdjustHandles="1" noChangeArrowheads="1" noChangeShapeType="1" noTextEdit="1"/>
-          </p:cNvSpPr>
-          <p:nvPr>
-            <p:extLst>
-              <p:ext uri="{386F3935-93C4-4BCD-93E2-E3B085C9AB24}">
-                <p16:designElem xmlns:p16="http://schemas.microsoft.com/office/powerpoint/2015/main" val="1"/>
-              </p:ext>
-            </p:extLst>
-          </p:nvPr>
-        </p:nvSpPr>
-        <p:spPr>
-          <a:xfrm>
-            <a:off x="5315061" y="-2"/>
-            <a:ext cx="6876939" cy="6858002"/>
-          </a:xfrm>
-          <a:prstGeom prst="rect">
-            <a:avLst/>
-          </a:prstGeom>
-          <a:solidFill>
-            <a:schemeClr val="tx1">
-              <a:lumMod val="85000"/>
-              <a:lumOff val="15000"/>
-            </a:schemeClr>
-          </a:solidFill>
-          <a:ln>
-            <a:noFill/>
-          </a:ln>
-        </p:spPr>
-        <p:style>
-          <a:lnRef idx="2">
-            <a:schemeClr val="accent1">
-              <a:shade val="50000"/>
-            </a:schemeClr>
-          </a:lnRef>
-          <a:fillRef idx="1">
-            <a:schemeClr val="accent1"/>
-          </a:fillRef>
-          <a:effectRef idx="0">
-            <a:schemeClr val="accent1"/>
-          </a:effectRef>
-          <a:fontRef idx="minor">
-            <a:schemeClr val="lt1"/>
-          </a:fontRef>
-        </p:style>
-        <p:txBody>
-          <a:bodyPr rtlCol="0" anchor="ctr"/>
-          <a:lstStyle/>
-          <a:p>
-            <a:pPr algn="ctr"/>
-            <a:endParaRPr lang="en-US"/>
-          </a:p>
-        </p:txBody>
-      </p:sp>
-      <p:sp>
-        <p:nvSpPr>
-          <p:cNvPr id="2" name="Title 1"/>
-          <p:cNvSpPr>
-            <a:spLocks noGrp="1"/>
-          </p:cNvSpPr>
-          <p:nvPr>
-            <p:ph type="title"/>
-          </p:nvPr>
-        </p:nvSpPr>
-        <p:spPr>
-          <a:xfrm>
-            <a:off x="829781" y="2745736"/>
-            <a:ext cx="3698803" cy="1366528"/>
-          </a:xfrm>
-          <a:solidFill>
-            <a:schemeClr val="bg1">
-              <a:alpha val="50000"/>
-            </a:schemeClr>
-          </a:solidFill>
-          <a:ln w="25400" cap="sq">
-            <a:solidFill>
-              <a:schemeClr val="tx1"/>
-            </a:solidFill>
-            <a:miter lim="800000"/>
-          </a:ln>
-        </p:spPr>
-        <p:txBody>
-          <a:bodyPr>
-            <a:normAutofit/>
-          </a:bodyPr>
-          <a:lstStyle/>
-          <a:p>
-            <a:pPr algn="ctr"/>
-            <a:r>
-              <a:rPr lang="en-US" sz="3200"/>
-              <a:t>Overview</a:t>
-            </a:r>
-          </a:p>
-        </p:txBody>
-      </p:sp>
-      <p:sp>
-        <p:nvSpPr>
-          <p:cNvPr id="3" name="Content Placeholder 2"/>
-          <p:cNvSpPr>
-            <a:spLocks noGrp="1"/>
-          </p:cNvSpPr>
-          <p:nvPr>
-            <p:ph idx="1"/>
-          </p:nvPr>
-        </p:nvSpPr>
-        <p:spPr>
-          <a:xfrm>
-            <a:off x="6049182" y="802638"/>
-            <a:ext cx="5408696" cy="5252722"/>
-          </a:xfrm>
-        </p:spPr>
-        <p:txBody>
-          <a:bodyPr anchor="ctr">
-            <a:normAutofit/>
-          </a:bodyPr>
-          <a:lstStyle/>
-          <a:p>
-            <a:r>
-              <a:rPr lang="en-US" sz="2400" dirty="0">
-                <a:solidFill>
-                  <a:schemeClr val="bg1"/>
-                </a:solidFill>
-              </a:rPr>
-              <a:t>Background Information/Objectives</a:t>
-            </a:r>
-          </a:p>
-          <a:p>
-            <a:r>
-              <a:rPr lang="en-US" sz="2400" dirty="0">
-                <a:solidFill>
-                  <a:schemeClr val="bg1"/>
-                </a:solidFill>
-              </a:rPr>
-              <a:t>Project Challenges</a:t>
-            </a:r>
-          </a:p>
-          <a:p>
-            <a:r>
-              <a:rPr lang="en-US" sz="2400" dirty="0">
-                <a:solidFill>
-                  <a:schemeClr val="bg1"/>
-                </a:solidFill>
-              </a:rPr>
-              <a:t>Development Process Assessment</a:t>
-            </a:r>
-          </a:p>
-          <a:p>
-            <a:r>
-              <a:rPr lang="en-US" sz="2400" dirty="0">
-                <a:solidFill>
-                  <a:schemeClr val="bg1"/>
-                </a:solidFill>
-              </a:rPr>
-              <a:t>Goals vs. Accomplishments.</a:t>
-            </a:r>
-          </a:p>
-          <a:p>
-            <a:r>
-              <a:rPr lang="en-US" sz="2400" dirty="0">
-                <a:solidFill>
-                  <a:schemeClr val="bg1"/>
-                </a:solidFill>
-              </a:rPr>
-              <a:t>Testing Process and Results</a:t>
-            </a:r>
-          </a:p>
-          <a:p>
-            <a:r>
-              <a:rPr lang="en-US" sz="2400" dirty="0">
-                <a:solidFill>
-                  <a:schemeClr val="bg1"/>
-                </a:solidFill>
-              </a:rPr>
-              <a:t>Lessons Learned</a:t>
-            </a:r>
-          </a:p>
-          <a:p>
-            <a:r>
-              <a:rPr lang="en-US" sz="2400" dirty="0">
-                <a:solidFill>
-                  <a:schemeClr val="bg1"/>
-                </a:solidFill>
-              </a:rPr>
-              <a:t>Application Demonstration</a:t>
-            </a:r>
-          </a:p>
-        </p:txBody>
-      </p:sp>
-    </p:spTree>
-    <p:extLst>
-      <p:ext uri="{BB962C8B-B14F-4D97-AF65-F5344CB8AC3E}">
-        <p14:creationId xmlns:p14="http://schemas.microsoft.com/office/powerpoint/2010/main" val="2269431488"/>
-      </p:ext>
-    </p:extLst>
-  </p:cSld>
-  <p:clrMapOvr>
-    <a:masterClrMapping/>
-  </p:clrMapOvr>
-</p:sld>
-</file>
-
-<file path=ppt/slides/slide3.xml><?xml version="1.0" encoding="utf-8"?>
-<p:sld xmlns:a="http://schemas.openxmlformats.org/drawingml/2006/main" xmlns:r="http://schemas.openxmlformats.org/officeDocument/2006/relationships" xmlns:p="http://schemas.openxmlformats.org/presentationml/2006/main">
-  <p:cSld>
-    <p:spTree>
-      <p:nvGrpSpPr>
-        <p:cNvPr id="1" name=""/>
-        <p:cNvGrpSpPr/>
-        <p:nvPr/>
-      </p:nvGrpSpPr>
-      <p:grpSpPr>
-        <a:xfrm>
-          <a:off x="0" y="0"/>
-          <a:ext cx="0" cy="0"/>
-          <a:chOff x="0" y="0"/>
-          <a:chExt cx="0" cy="0"/>
-        </a:xfrm>
-      </p:grpSpPr>
-      <p:pic>
-        <p:nvPicPr>
-          <p:cNvPr id="5" name="Picture 4">
-            <a:extLst>
-              <a:ext uri="{FF2B5EF4-FFF2-40B4-BE49-F238E27FC236}">
-                <a16:creationId xmlns:a16="http://schemas.microsoft.com/office/drawing/2014/main" id="{2856A574-EF44-46E5-8599-B774CCFB1AB1}"/>
-              </a:ext>
-            </a:extLst>
-          </p:cNvPr>
-          <p:cNvPicPr>
-            <a:picLocks noChangeAspect="1"/>
-          </p:cNvPicPr>
-          <p:nvPr/>
-        </p:nvPicPr>
-        <p:blipFill>
-          <a:blip r:embed="rId2">
-            <a:extLst>
-              <a:ext uri="{28A0092B-C50C-407E-A947-70E740481C1C}">
-                <a14:useLocalDpi xmlns:a14="http://schemas.microsoft.com/office/drawing/2010/main" val="0"/>
-              </a:ext>
-            </a:extLst>
-          </a:blip>
-          <a:stretch>
-            <a:fillRect/>
-          </a:stretch>
-        </p:blipFill>
-        <p:spPr>
-          <a:xfrm>
-            <a:off x="4441032" y="1690688"/>
-            <a:ext cx="7750968" cy="5167312"/>
-          </a:xfrm>
-          <a:prstGeom prst="rect">
-            <a:avLst/>
-          </a:prstGeom>
-        </p:spPr>
-      </p:pic>
-      <p:sp>
-        <p:nvSpPr>
-          <p:cNvPr id="18" name="Freeform 75"/>
-          <p:cNvSpPr>
-            <a:spLocks noGrp="1" noRot="1" noChangeAspect="1" noMove="1" noResize="1" noEditPoints="1" noAdjustHandles="1" noChangeArrowheads="1" noChangeShapeType="1" noTextEdit="1"/>
-          </p:cNvSpPr>
-          <p:nvPr>
-            <p:extLst>
-              <p:ext uri="{386F3935-93C4-4BCD-93E2-E3B085C9AB24}">
-                <p16:designElem xmlns:p16="http://schemas.microsoft.com/office/powerpoint/2015/main" val="1"/>
-              </p:ext>
-            </p:extLst>
-          </p:nvPr>
-        </p:nvSpPr>
-        <p:spPr>
-          <a:xfrm flipV="1">
-            <a:off x="0" y="1691640"/>
-            <a:ext cx="10052100" cy="5166360"/>
-          </a:xfrm>
-          <a:custGeom>
-            <a:avLst/>
-            <a:gdLst>
-              <a:gd name="connsiteX0" fmla="*/ 0 w 9786594"/>
-              <a:gd name="connsiteY0" fmla="*/ 0 h 5032376"/>
-              <a:gd name="connsiteX1" fmla="*/ 2130696 w 9786594"/>
-              <a:gd name="connsiteY1" fmla="*/ 0 h 5032376"/>
-              <a:gd name="connsiteX2" fmla="*/ 4685057 w 9786594"/>
-              <a:gd name="connsiteY2" fmla="*/ 0 h 5032376"/>
-              <a:gd name="connsiteX3" fmla="*/ 6291520 w 9786594"/>
-              <a:gd name="connsiteY3" fmla="*/ 0 h 5032376"/>
-              <a:gd name="connsiteX4" fmla="*/ 7449885 w 9786594"/>
-              <a:gd name="connsiteY4" fmla="*/ 0 h 5032376"/>
-              <a:gd name="connsiteX5" fmla="*/ 7455943 w 9786594"/>
-              <a:gd name="connsiteY5" fmla="*/ 0 h 5032376"/>
-              <a:gd name="connsiteX6" fmla="*/ 9786594 w 9786594"/>
-              <a:gd name="connsiteY6" fmla="*/ 5032376 h 5032376"/>
-              <a:gd name="connsiteX7" fmla="*/ 0 w 9786594"/>
-              <a:gd name="connsiteY7" fmla="*/ 5032376 h 5032376"/>
-            </a:gdLst>
-            <a:ahLst/>
-            <a:cxnLst>
-              <a:cxn ang="0">
-                <a:pos x="connsiteX0" y="connsiteY0"/>
-              </a:cxn>
-              <a:cxn ang="0">
-                <a:pos x="connsiteX1" y="connsiteY1"/>
-              </a:cxn>
-              <a:cxn ang="0">
-                <a:pos x="connsiteX2" y="connsiteY2"/>
-              </a:cxn>
-              <a:cxn ang="0">
-                <a:pos x="connsiteX3" y="connsiteY3"/>
-              </a:cxn>
-              <a:cxn ang="0">
-                <a:pos x="connsiteX4" y="connsiteY4"/>
-              </a:cxn>
-              <a:cxn ang="0">
-                <a:pos x="connsiteX5" y="connsiteY5"/>
-              </a:cxn>
-              <a:cxn ang="0">
-                <a:pos x="connsiteX6" y="connsiteY6"/>
-              </a:cxn>
-              <a:cxn ang="0">
-                <a:pos x="connsiteX7" y="connsiteY7"/>
-              </a:cxn>
-            </a:cxnLst>
-            <a:rect l="l" t="t" r="r" b="b"/>
-            <a:pathLst>
-              <a:path w="9786594" h="5032376">
-                <a:moveTo>
-                  <a:pt x="0" y="0"/>
-                </a:moveTo>
-                <a:lnTo>
-                  <a:pt x="2130696" y="0"/>
-                </a:lnTo>
-                <a:lnTo>
-                  <a:pt x="4685057" y="0"/>
-                </a:lnTo>
-                <a:lnTo>
-                  <a:pt x="6291520" y="0"/>
-                </a:lnTo>
-                <a:lnTo>
-                  <a:pt x="7449885" y="0"/>
-                </a:lnTo>
-                <a:lnTo>
-                  <a:pt x="7455943" y="0"/>
-                </a:lnTo>
-                <a:lnTo>
-                  <a:pt x="9786594" y="5032376"/>
-                </a:lnTo>
-                <a:lnTo>
-                  <a:pt x="0" y="5032376"/>
-                </a:lnTo>
-                <a:close/>
-              </a:path>
-            </a:pathLst>
-          </a:custGeom>
-          <a:solidFill>
-            <a:schemeClr val="tx1">
-              <a:lumMod val="85000"/>
-              <a:lumOff val="15000"/>
-            </a:schemeClr>
-          </a:solidFill>
-          <a:ln>
-            <a:noFill/>
-          </a:ln>
-        </p:spPr>
-        <p:style>
-          <a:lnRef idx="2">
-            <a:schemeClr val="accent1">
-              <a:shade val="50000"/>
-            </a:schemeClr>
-          </a:lnRef>
-          <a:fillRef idx="1">
-            <a:schemeClr val="accent1"/>
-          </a:fillRef>
-          <a:effectRef idx="0">
-            <a:schemeClr val="accent1"/>
-          </a:effectRef>
-          <a:fontRef idx="minor">
-            <a:schemeClr val="lt1"/>
-          </a:fontRef>
-        </p:style>
-        <p:txBody>
-          <a:bodyPr wrap="square" rtlCol="0" anchor="ctr">
-            <a:noAutofit/>
-          </a:bodyPr>
-          <a:lstStyle/>
-          <a:p>
-            <a:pPr algn="ctr"/>
-            <a:endParaRPr lang="en-US"/>
-          </a:p>
-        </p:txBody>
-      </p:sp>
-      <p:sp>
-        <p:nvSpPr>
-          <p:cNvPr id="2" name="Title 1"/>
-          <p:cNvSpPr>
-            <a:spLocks noGrp="1"/>
-          </p:cNvSpPr>
-          <p:nvPr>
-            <p:ph type="title"/>
-          </p:nvPr>
-        </p:nvSpPr>
-        <p:spPr>
-          <a:xfrm>
-            <a:off x="838200" y="365125"/>
-            <a:ext cx="10515600" cy="1325563"/>
-          </a:xfrm>
-        </p:spPr>
-        <p:txBody>
-          <a:bodyPr>
-            <a:normAutofit/>
-          </a:bodyPr>
-          <a:lstStyle/>
-          <a:p>
-            <a:r>
-              <a:rPr lang="en-US" dirty="0"/>
-              <a:t>Background Information and Objectives</a:t>
-            </a:r>
-          </a:p>
-        </p:txBody>
-      </p:sp>
-      <p:sp>
-        <p:nvSpPr>
-          <p:cNvPr id="3" name="Content Placeholder 2"/>
-          <p:cNvSpPr>
-            <a:spLocks noGrp="1"/>
-          </p:cNvSpPr>
-          <p:nvPr>
-            <p:ph idx="1"/>
-          </p:nvPr>
-        </p:nvSpPr>
-        <p:spPr>
-          <a:xfrm>
-            <a:off x="328028" y="1919912"/>
-            <a:ext cx="8526803" cy="4572963"/>
-          </a:xfrm>
-        </p:spPr>
-        <p:txBody>
-          <a:bodyPr anchor="ctr">
-            <a:normAutofit/>
-          </a:bodyPr>
-          <a:lstStyle/>
-          <a:p>
-            <a:pPr>
-              <a:lnSpc>
-                <a:spcPct val="70000"/>
-              </a:lnSpc>
-            </a:pPr>
-            <a:endParaRPr lang="en-US" sz="1900" b="1" dirty="0">
-              <a:solidFill>
-                <a:schemeClr val="bg1"/>
-              </a:solidFill>
-            </a:endParaRPr>
-          </a:p>
-          <a:p>
-            <a:pPr>
-              <a:lnSpc>
-                <a:spcPct val="70000"/>
-              </a:lnSpc>
-            </a:pPr>
-            <a:r>
-              <a:rPr lang="en-US" b="1" dirty="0">
-                <a:solidFill>
-                  <a:schemeClr val="bg1"/>
-                </a:solidFill>
-              </a:rPr>
-              <a:t>Problem:</a:t>
-            </a:r>
-          </a:p>
-          <a:p>
-            <a:pPr lvl="1">
-              <a:lnSpc>
-                <a:spcPct val="70000"/>
-              </a:lnSpc>
-            </a:pPr>
-            <a:r>
-              <a:rPr lang="en-US" dirty="0">
-                <a:solidFill>
-                  <a:schemeClr val="bg1"/>
-                </a:solidFill>
-              </a:rPr>
-              <a:t>A yearly tournament is held, but event structure creation and accounting tasks are laborious and error-prone when done manually.</a:t>
-            </a:r>
-            <a:br>
-              <a:rPr lang="en-US" dirty="0">
-                <a:solidFill>
-                  <a:schemeClr val="bg1"/>
-                </a:solidFill>
-              </a:rPr>
-            </a:br>
-            <a:endParaRPr lang="en-US" dirty="0">
-              <a:solidFill>
-                <a:schemeClr val="bg1"/>
-              </a:solidFill>
-            </a:endParaRPr>
-          </a:p>
-          <a:p>
-            <a:pPr>
-              <a:lnSpc>
-                <a:spcPct val="70000"/>
-              </a:lnSpc>
-            </a:pPr>
-            <a:r>
-              <a:rPr lang="en-US" b="1" dirty="0">
-                <a:solidFill>
-                  <a:schemeClr val="bg1"/>
-                </a:solidFill>
-              </a:rPr>
-              <a:t>Solution: </a:t>
-            </a:r>
-            <a:r>
-              <a:rPr lang="en-US" dirty="0">
-                <a:solidFill>
-                  <a:schemeClr val="bg1"/>
-                </a:solidFill>
-              </a:rPr>
-              <a:t>Automation of tasks -  </a:t>
-            </a:r>
-            <a:endParaRPr lang="en-US" b="1" dirty="0">
-              <a:solidFill>
-                <a:schemeClr val="bg1"/>
-              </a:solidFill>
-            </a:endParaRPr>
-          </a:p>
-          <a:p>
-            <a:pPr lvl="1">
-              <a:lnSpc>
-                <a:spcPct val="70000"/>
-              </a:lnSpc>
-            </a:pPr>
-            <a:r>
-              <a:rPr lang="en-US" dirty="0">
-                <a:solidFill>
-                  <a:schemeClr val="bg1"/>
-                </a:solidFill>
-              </a:rPr>
-              <a:t>Construct balanced teams by player handicap.</a:t>
-            </a:r>
-          </a:p>
-          <a:p>
-            <a:pPr lvl="1">
-              <a:lnSpc>
-                <a:spcPct val="70000"/>
-              </a:lnSpc>
-            </a:pPr>
-            <a:r>
-              <a:rPr lang="en-US" dirty="0">
-                <a:solidFill>
-                  <a:schemeClr val="bg1"/>
-                </a:solidFill>
-              </a:rPr>
-              <a:t>Creation of unique player matchups across all rounds.</a:t>
-            </a:r>
-          </a:p>
-          <a:p>
-            <a:pPr lvl="1">
-              <a:lnSpc>
-                <a:spcPct val="70000"/>
-              </a:lnSpc>
-            </a:pPr>
-            <a:r>
-              <a:rPr lang="en-US" dirty="0">
-                <a:solidFill>
-                  <a:schemeClr val="bg1"/>
-                </a:solidFill>
-              </a:rPr>
-              <a:t>Track player points and putts for each round.</a:t>
-            </a:r>
-          </a:p>
-          <a:p>
-            <a:pPr lvl="1">
-              <a:lnSpc>
-                <a:spcPct val="70000"/>
-              </a:lnSpc>
-            </a:pPr>
-            <a:r>
-              <a:rPr lang="en-US" dirty="0">
-                <a:solidFill>
-                  <a:schemeClr val="bg1"/>
-                </a:solidFill>
-              </a:rPr>
-              <a:t>Allow denoting of substitutes in scores.</a:t>
-            </a:r>
-          </a:p>
-          <a:p>
-            <a:pPr lvl="1">
-              <a:lnSpc>
-                <a:spcPct val="70000"/>
-              </a:lnSpc>
-            </a:pPr>
-            <a:r>
-              <a:rPr lang="en-US" dirty="0">
-                <a:solidFill>
-                  <a:schemeClr val="bg1"/>
-                </a:solidFill>
-              </a:rPr>
-              <a:t>Determine final tournament winners.</a:t>
-            </a:r>
-          </a:p>
-          <a:p>
-            <a:pPr lvl="1">
-              <a:lnSpc>
-                <a:spcPct val="70000"/>
-              </a:lnSpc>
-            </a:pPr>
-            <a:r>
-              <a:rPr lang="en-US" dirty="0">
-                <a:solidFill>
-                  <a:schemeClr val="bg1"/>
-                </a:solidFill>
-              </a:rPr>
-              <a:t>Maintain records of previous tournament data.</a:t>
-            </a:r>
-          </a:p>
-          <a:p>
-            <a:pPr lvl="2">
-              <a:lnSpc>
-                <a:spcPct val="70000"/>
-              </a:lnSpc>
-            </a:pPr>
-            <a:endParaRPr lang="en-US" dirty="0">
-              <a:solidFill>
-                <a:schemeClr val="bg1"/>
-              </a:solidFill>
-            </a:endParaRPr>
-          </a:p>
-          <a:p>
-            <a:pPr lvl="2">
-              <a:lnSpc>
-                <a:spcPct val="70000"/>
-              </a:lnSpc>
-            </a:pPr>
-            <a:endParaRPr lang="en-US" dirty="0">
-              <a:solidFill>
-                <a:schemeClr val="bg1"/>
-              </a:solidFill>
-            </a:endParaRPr>
-          </a:p>
-          <a:p>
-            <a:pPr lvl="2">
-              <a:lnSpc>
-                <a:spcPct val="70000"/>
-              </a:lnSpc>
-            </a:pPr>
-            <a:endParaRPr lang="en-US" dirty="0">
-              <a:solidFill>
-                <a:schemeClr val="bg1"/>
-              </a:solidFill>
-            </a:endParaRPr>
-          </a:p>
-        </p:txBody>
-      </p:sp>
-    </p:spTree>
-    <p:extLst>
-      <p:ext uri="{BB962C8B-B14F-4D97-AF65-F5344CB8AC3E}">
-        <p14:creationId xmlns:p14="http://schemas.microsoft.com/office/powerpoint/2010/main" val="2149300098"/>
-      </p:ext>
-    </p:extLst>
-  </p:cSld>
-  <p:clrMapOvr>
-    <a:masterClrMapping/>
-  </p:clrMapOvr>
-</p:sld>
-</file>
-
-<file path=ppt/slides/slide4.xml><?xml version="1.0" encoding="utf-8"?>
-<p:sld xmlns:a="http://schemas.openxmlformats.org/drawingml/2006/main" xmlns:r="http://schemas.openxmlformats.org/officeDocument/2006/relationships" xmlns:p="http://schemas.openxmlformats.org/presentationml/2006/main">
-  <p:cSld>
-    <p:spTree>
-      <p:nvGrpSpPr>
-        <p:cNvPr id="1" name=""/>
-        <p:cNvGrpSpPr/>
-        <p:nvPr/>
-      </p:nvGrpSpPr>
-      <p:grpSpPr>
-        <a:xfrm>
-          <a:off x="0" y="0"/>
-          <a:ext cx="0" cy="0"/>
-          <a:chOff x="0" y="0"/>
-          <a:chExt cx="0" cy="0"/>
-        </a:xfrm>
-      </p:grpSpPr>
-      <p:pic>
-        <p:nvPicPr>
-          <p:cNvPr id="6" name="Picture 5">
-            <a:extLst>
-              <a:ext uri="{FF2B5EF4-FFF2-40B4-BE49-F238E27FC236}">
-                <a16:creationId xmlns:a16="http://schemas.microsoft.com/office/drawing/2014/main" id="{DB4BCD7D-C053-4655-9884-FE0F886B3DE5}"/>
-              </a:ext>
-            </a:extLst>
-          </p:cNvPr>
-          <p:cNvPicPr>
-            <a:picLocks noChangeAspect="1"/>
-          </p:cNvPicPr>
-          <p:nvPr/>
-        </p:nvPicPr>
-        <p:blipFill>
-          <a:blip r:embed="rId2">
-            <a:extLst>
-              <a:ext uri="{28A0092B-C50C-407E-A947-70E740481C1C}">
-                <a14:useLocalDpi xmlns:a14="http://schemas.microsoft.com/office/drawing/2010/main" val="0"/>
-              </a:ext>
-            </a:extLst>
-          </a:blip>
-          <a:stretch>
-            <a:fillRect/>
-          </a:stretch>
-        </p:blipFill>
-        <p:spPr>
-          <a:xfrm>
-            <a:off x="4441032" y="1690688"/>
-            <a:ext cx="7750968" cy="5167312"/>
-          </a:xfrm>
-          <a:prstGeom prst="rect">
-            <a:avLst/>
-          </a:prstGeom>
-        </p:spPr>
-      </p:pic>
-      <p:sp>
-        <p:nvSpPr>
-          <p:cNvPr id="18" name="Freeform 75"/>
-          <p:cNvSpPr>
-            <a:spLocks noGrp="1" noRot="1" noChangeAspect="1" noMove="1" noResize="1" noEditPoints="1" noAdjustHandles="1" noChangeArrowheads="1" noChangeShapeType="1" noTextEdit="1"/>
-          </p:cNvSpPr>
-          <p:nvPr>
-            <p:extLst>
-              <p:ext uri="{386F3935-93C4-4BCD-93E2-E3B085C9AB24}">
-                <p16:designElem xmlns:p16="http://schemas.microsoft.com/office/powerpoint/2015/main" val="1"/>
-              </p:ext>
-            </p:extLst>
-          </p:nvPr>
-        </p:nvSpPr>
-        <p:spPr>
-          <a:xfrm flipV="1">
-            <a:off x="0" y="1691640"/>
-            <a:ext cx="10052100" cy="5166360"/>
-          </a:xfrm>
-          <a:custGeom>
-            <a:avLst/>
-            <a:gdLst>
-              <a:gd name="connsiteX0" fmla="*/ 0 w 9786594"/>
-              <a:gd name="connsiteY0" fmla="*/ 0 h 5032376"/>
-              <a:gd name="connsiteX1" fmla="*/ 2130696 w 9786594"/>
-              <a:gd name="connsiteY1" fmla="*/ 0 h 5032376"/>
-              <a:gd name="connsiteX2" fmla="*/ 4685057 w 9786594"/>
-              <a:gd name="connsiteY2" fmla="*/ 0 h 5032376"/>
-              <a:gd name="connsiteX3" fmla="*/ 6291520 w 9786594"/>
-              <a:gd name="connsiteY3" fmla="*/ 0 h 5032376"/>
-              <a:gd name="connsiteX4" fmla="*/ 7449885 w 9786594"/>
-              <a:gd name="connsiteY4" fmla="*/ 0 h 5032376"/>
-              <a:gd name="connsiteX5" fmla="*/ 7455943 w 9786594"/>
-              <a:gd name="connsiteY5" fmla="*/ 0 h 5032376"/>
-              <a:gd name="connsiteX6" fmla="*/ 9786594 w 9786594"/>
-              <a:gd name="connsiteY6" fmla="*/ 5032376 h 5032376"/>
-              <a:gd name="connsiteX7" fmla="*/ 0 w 9786594"/>
-              <a:gd name="connsiteY7" fmla="*/ 5032376 h 5032376"/>
-            </a:gdLst>
-            <a:ahLst/>
-            <a:cxnLst>
-              <a:cxn ang="0">
-                <a:pos x="connsiteX0" y="connsiteY0"/>
-              </a:cxn>
-              <a:cxn ang="0">
-                <a:pos x="connsiteX1" y="connsiteY1"/>
-              </a:cxn>
-              <a:cxn ang="0">
-                <a:pos x="connsiteX2" y="connsiteY2"/>
-              </a:cxn>
-              <a:cxn ang="0">
-                <a:pos x="connsiteX3" y="connsiteY3"/>
-              </a:cxn>
-              <a:cxn ang="0">
-                <a:pos x="connsiteX4" y="connsiteY4"/>
-              </a:cxn>
-              <a:cxn ang="0">
-                <a:pos x="connsiteX5" y="connsiteY5"/>
-              </a:cxn>
-              <a:cxn ang="0">
-                <a:pos x="connsiteX6" y="connsiteY6"/>
-              </a:cxn>
-              <a:cxn ang="0">
-                <a:pos x="connsiteX7" y="connsiteY7"/>
-              </a:cxn>
-            </a:cxnLst>
-            <a:rect l="l" t="t" r="r" b="b"/>
-            <a:pathLst>
-              <a:path w="9786594" h="5032376">
-                <a:moveTo>
-                  <a:pt x="0" y="0"/>
-                </a:moveTo>
-                <a:lnTo>
-                  <a:pt x="2130696" y="0"/>
-                </a:lnTo>
-                <a:lnTo>
-                  <a:pt x="4685057" y="0"/>
-                </a:lnTo>
-                <a:lnTo>
-                  <a:pt x="6291520" y="0"/>
-                </a:lnTo>
-                <a:lnTo>
-                  <a:pt x="7449885" y="0"/>
-                </a:lnTo>
-                <a:lnTo>
-                  <a:pt x="7455943" y="0"/>
-                </a:lnTo>
-                <a:lnTo>
-                  <a:pt x="9786594" y="5032376"/>
-                </a:lnTo>
-                <a:lnTo>
-                  <a:pt x="0" y="5032376"/>
-                </a:lnTo>
-                <a:close/>
-              </a:path>
-            </a:pathLst>
-          </a:custGeom>
-          <a:solidFill>
-            <a:schemeClr val="tx1">
-              <a:lumMod val="85000"/>
-              <a:lumOff val="15000"/>
-            </a:schemeClr>
-          </a:solidFill>
-          <a:ln>
-            <a:noFill/>
-          </a:ln>
-        </p:spPr>
-        <p:style>
-          <a:lnRef idx="2">
-            <a:schemeClr val="accent1">
-              <a:shade val="50000"/>
-            </a:schemeClr>
-          </a:lnRef>
-          <a:fillRef idx="1">
-            <a:schemeClr val="accent1"/>
-          </a:fillRef>
-          <a:effectRef idx="0">
-            <a:schemeClr val="accent1"/>
-          </a:effectRef>
-          <a:fontRef idx="minor">
-            <a:schemeClr val="lt1"/>
-          </a:fontRef>
-        </p:style>
-        <p:txBody>
-          <a:bodyPr wrap="square" rtlCol="0" anchor="ctr">
-            <a:noAutofit/>
-          </a:bodyPr>
-          <a:lstStyle/>
-          <a:p>
-            <a:pPr algn="ctr"/>
-            <a:endParaRPr lang="en-US"/>
-          </a:p>
-        </p:txBody>
-      </p:sp>
-      <p:sp>
-        <p:nvSpPr>
-          <p:cNvPr id="2" name="Title 1"/>
-          <p:cNvSpPr>
-            <a:spLocks noGrp="1"/>
-          </p:cNvSpPr>
-          <p:nvPr>
-            <p:ph type="title"/>
-          </p:nvPr>
-        </p:nvSpPr>
-        <p:spPr>
-          <a:xfrm>
-            <a:off x="838200" y="365125"/>
-            <a:ext cx="10515600" cy="1325563"/>
-          </a:xfrm>
-        </p:spPr>
-        <p:txBody>
-          <a:bodyPr>
-            <a:normAutofit/>
-          </a:bodyPr>
-          <a:lstStyle/>
-          <a:p>
-            <a:r>
-              <a:rPr lang="en-US" dirty="0"/>
-              <a:t>Project Challenges</a:t>
-            </a:r>
-          </a:p>
-        </p:txBody>
-      </p:sp>
-      <p:sp>
-        <p:nvSpPr>
-          <p:cNvPr id="3" name="Content Placeholder 2"/>
-          <p:cNvSpPr>
-            <a:spLocks noGrp="1"/>
-          </p:cNvSpPr>
-          <p:nvPr>
-            <p:ph idx="1"/>
-          </p:nvPr>
-        </p:nvSpPr>
-        <p:spPr>
-          <a:xfrm>
-            <a:off x="328028" y="1919912"/>
-            <a:ext cx="8284526" cy="4572963"/>
-          </a:xfrm>
-        </p:spPr>
-        <p:txBody>
-          <a:bodyPr anchor="ctr">
-            <a:normAutofit/>
-          </a:bodyPr>
-          <a:lstStyle/>
-          <a:p>
-            <a:pPr>
-              <a:lnSpc>
-                <a:spcPct val="70000"/>
-              </a:lnSpc>
-            </a:pPr>
-            <a:r>
-              <a:rPr lang="en-US" b="1" dirty="0">
-                <a:solidFill>
-                  <a:schemeClr val="bg1"/>
-                </a:solidFill>
-              </a:rPr>
-              <a:t>Learning curve of unfamiliar technologies</a:t>
-            </a:r>
-          </a:p>
-          <a:p>
-            <a:pPr lvl="1">
-              <a:lnSpc>
-                <a:spcPct val="70000"/>
-              </a:lnSpc>
-            </a:pPr>
-            <a:r>
-              <a:rPr lang="en-US" dirty="0">
-                <a:solidFill>
-                  <a:schemeClr val="bg1"/>
-                </a:solidFill>
-              </a:rPr>
-              <a:t>Git, C#, Windows Forms Development, SQL, etc.</a:t>
-            </a:r>
-            <a:br>
-              <a:rPr lang="en-US" dirty="0">
-                <a:solidFill>
-                  <a:schemeClr val="bg1"/>
-                </a:solidFill>
-              </a:rPr>
-            </a:br>
-            <a:endParaRPr lang="en-US" dirty="0">
-              <a:solidFill>
-                <a:schemeClr val="bg1"/>
-              </a:solidFill>
-            </a:endParaRPr>
-          </a:p>
-          <a:p>
-            <a:pPr>
-              <a:lnSpc>
-                <a:spcPct val="70000"/>
-              </a:lnSpc>
-            </a:pPr>
-            <a:r>
-              <a:rPr lang="en-US" b="1" dirty="0">
-                <a:solidFill>
-                  <a:schemeClr val="bg1"/>
-                </a:solidFill>
-              </a:rPr>
-              <a:t>Collaborative Development</a:t>
-            </a:r>
-          </a:p>
-          <a:p>
-            <a:pPr lvl="1">
-              <a:lnSpc>
-                <a:spcPct val="70000"/>
-              </a:lnSpc>
-            </a:pPr>
-            <a:r>
-              <a:rPr lang="en-US" dirty="0">
-                <a:solidFill>
-                  <a:schemeClr val="bg1"/>
-                </a:solidFill>
-              </a:rPr>
-              <a:t>Readability, abstraction, and merging.</a:t>
-            </a:r>
-          </a:p>
-          <a:p>
-            <a:pPr lvl="1">
-              <a:lnSpc>
-                <a:spcPct val="70000"/>
-              </a:lnSpc>
-            </a:pPr>
-            <a:r>
-              <a:rPr lang="en-US" dirty="0">
-                <a:solidFill>
-                  <a:schemeClr val="bg1"/>
-                </a:solidFill>
-              </a:rPr>
-              <a:t>Working on assumptions. Ex: My component requires your component, but development is parallel.</a:t>
-            </a:r>
-            <a:br>
-              <a:rPr lang="en-US" dirty="0">
-                <a:solidFill>
-                  <a:schemeClr val="bg1"/>
-                </a:solidFill>
-              </a:rPr>
-            </a:br>
-            <a:endParaRPr lang="en-US" dirty="0">
-              <a:solidFill>
-                <a:schemeClr val="bg1"/>
-              </a:solidFill>
-            </a:endParaRPr>
-          </a:p>
-          <a:p>
-            <a:pPr>
-              <a:lnSpc>
-                <a:spcPct val="70000"/>
-              </a:lnSpc>
-            </a:pPr>
-            <a:r>
-              <a:rPr lang="en-US" b="1" dirty="0">
-                <a:solidFill>
-                  <a:schemeClr val="bg1"/>
-                </a:solidFill>
-              </a:rPr>
-              <a:t>Coordination with client</a:t>
-            </a:r>
-          </a:p>
-          <a:p>
-            <a:pPr lvl="1">
-              <a:lnSpc>
-                <a:spcPct val="70000"/>
-              </a:lnSpc>
-            </a:pPr>
-            <a:r>
-              <a:rPr lang="en-US" dirty="0">
-                <a:solidFill>
-                  <a:schemeClr val="bg1"/>
-                </a:solidFill>
-              </a:rPr>
-              <a:t>Client doesn’t speak the same “language”.</a:t>
-            </a:r>
-          </a:p>
-          <a:p>
-            <a:pPr lvl="1">
-              <a:lnSpc>
-                <a:spcPct val="70000"/>
-              </a:lnSpc>
-            </a:pPr>
-            <a:r>
-              <a:rPr lang="en-US" dirty="0">
-                <a:solidFill>
-                  <a:schemeClr val="bg1"/>
-                </a:solidFill>
-              </a:rPr>
-              <a:t>Not always responsive</a:t>
-            </a:r>
-          </a:p>
-          <a:p>
-            <a:pPr lvl="2">
-              <a:lnSpc>
-                <a:spcPct val="70000"/>
-              </a:lnSpc>
-            </a:pPr>
-            <a:endParaRPr lang="en-US" dirty="0">
-              <a:solidFill>
-                <a:schemeClr val="bg1"/>
-              </a:solidFill>
-            </a:endParaRPr>
-          </a:p>
-          <a:p>
-            <a:pPr>
-              <a:lnSpc>
-                <a:spcPct val="70000"/>
-              </a:lnSpc>
-            </a:pPr>
-            <a:r>
-              <a:rPr lang="en-US" b="1" dirty="0">
-                <a:solidFill>
-                  <a:schemeClr val="bg1"/>
-                </a:solidFill>
-              </a:rPr>
-              <a:t>Estimation of development time</a:t>
-            </a:r>
-          </a:p>
-        </p:txBody>
-      </p:sp>
-    </p:spTree>
-    <p:extLst>
-      <p:ext uri="{BB962C8B-B14F-4D97-AF65-F5344CB8AC3E}">
-        <p14:creationId xmlns:p14="http://schemas.microsoft.com/office/powerpoint/2010/main" val="1168881960"/>
-      </p:ext>
-    </p:extLst>
-  </p:cSld>
-  <p:clrMapOvr>
-    <a:masterClrMapping/>
-  </p:clrMapOvr>
-</p:sld>
-</file>
-
-<file path=ppt/slides/slide5.xml><?xml version="1.0" encoding="utf-8"?>
-<p:sld xmlns:a="http://schemas.openxmlformats.org/drawingml/2006/main" xmlns:r="http://schemas.openxmlformats.org/officeDocument/2006/relationships" xmlns:p="http://schemas.openxmlformats.org/presentationml/2006/main">
-  <p:cSld>
-    <p:spTree>
-      <p:nvGrpSpPr>
-        <p:cNvPr id="1" name=""/>
-        <p:cNvGrpSpPr/>
-        <p:nvPr/>
-      </p:nvGrpSpPr>
-      <p:grpSpPr>
-        <a:xfrm>
-          <a:off x="0" y="0"/>
-          <a:ext cx="0" cy="0"/>
-          <a:chOff x="0" y="0"/>
-          <a:chExt cx="0" cy="0"/>
-        </a:xfrm>
-      </p:grpSpPr>
-      <p:pic>
-        <p:nvPicPr>
-          <p:cNvPr id="6" name="Picture 5">
-            <a:extLst>
-              <a:ext uri="{FF2B5EF4-FFF2-40B4-BE49-F238E27FC236}">
-                <a16:creationId xmlns:a16="http://schemas.microsoft.com/office/drawing/2014/main" id="{A62DA6CE-B1F7-4395-967A-FE55F98AC80D}"/>
-              </a:ext>
-            </a:extLst>
-          </p:cNvPr>
-          <p:cNvPicPr>
-            <a:picLocks noChangeAspect="1"/>
-          </p:cNvPicPr>
-          <p:nvPr/>
-        </p:nvPicPr>
-        <p:blipFill>
-          <a:blip r:embed="rId2">
-            <a:extLst>
-              <a:ext uri="{28A0092B-C50C-407E-A947-70E740481C1C}">
-                <a14:useLocalDpi xmlns:a14="http://schemas.microsoft.com/office/drawing/2010/main" val="0"/>
-              </a:ext>
-            </a:extLst>
-          </a:blip>
-          <a:stretch>
-            <a:fillRect/>
-          </a:stretch>
-        </p:blipFill>
-        <p:spPr>
-          <a:xfrm>
-            <a:off x="4441032" y="1690688"/>
-            <a:ext cx="7750968" cy="5167312"/>
-          </a:xfrm>
-          <a:prstGeom prst="rect">
-            <a:avLst/>
-          </a:prstGeom>
-        </p:spPr>
-      </p:pic>
-      <p:sp>
-        <p:nvSpPr>
-          <p:cNvPr id="18" name="Freeform 75"/>
-          <p:cNvSpPr>
-            <a:spLocks noGrp="1" noRot="1" noChangeAspect="1" noMove="1" noResize="1" noEditPoints="1" noAdjustHandles="1" noChangeArrowheads="1" noChangeShapeType="1" noTextEdit="1"/>
-          </p:cNvSpPr>
-          <p:nvPr>
-            <p:extLst>
-              <p:ext uri="{386F3935-93C4-4BCD-93E2-E3B085C9AB24}">
-                <p16:designElem xmlns:p16="http://schemas.microsoft.com/office/powerpoint/2015/main" val="1"/>
-              </p:ext>
-            </p:extLst>
-          </p:nvPr>
-        </p:nvSpPr>
-        <p:spPr>
-          <a:xfrm flipV="1">
-            <a:off x="0" y="1691640"/>
-            <a:ext cx="10052100" cy="5166360"/>
-          </a:xfrm>
-          <a:custGeom>
-            <a:avLst/>
-            <a:gdLst>
-              <a:gd name="connsiteX0" fmla="*/ 0 w 9786594"/>
-              <a:gd name="connsiteY0" fmla="*/ 0 h 5032376"/>
-              <a:gd name="connsiteX1" fmla="*/ 2130696 w 9786594"/>
-              <a:gd name="connsiteY1" fmla="*/ 0 h 5032376"/>
-              <a:gd name="connsiteX2" fmla="*/ 4685057 w 9786594"/>
-              <a:gd name="connsiteY2" fmla="*/ 0 h 5032376"/>
-              <a:gd name="connsiteX3" fmla="*/ 6291520 w 9786594"/>
-              <a:gd name="connsiteY3" fmla="*/ 0 h 5032376"/>
-              <a:gd name="connsiteX4" fmla="*/ 7449885 w 9786594"/>
-              <a:gd name="connsiteY4" fmla="*/ 0 h 5032376"/>
-              <a:gd name="connsiteX5" fmla="*/ 7455943 w 9786594"/>
-              <a:gd name="connsiteY5" fmla="*/ 0 h 5032376"/>
-              <a:gd name="connsiteX6" fmla="*/ 9786594 w 9786594"/>
-              <a:gd name="connsiteY6" fmla="*/ 5032376 h 5032376"/>
-              <a:gd name="connsiteX7" fmla="*/ 0 w 9786594"/>
-              <a:gd name="connsiteY7" fmla="*/ 5032376 h 5032376"/>
-            </a:gdLst>
-            <a:ahLst/>
-            <a:cxnLst>
-              <a:cxn ang="0">
-                <a:pos x="connsiteX0" y="connsiteY0"/>
-              </a:cxn>
-              <a:cxn ang="0">
-                <a:pos x="connsiteX1" y="connsiteY1"/>
-              </a:cxn>
-              <a:cxn ang="0">
-                <a:pos x="connsiteX2" y="connsiteY2"/>
-              </a:cxn>
-              <a:cxn ang="0">
-                <a:pos x="connsiteX3" y="connsiteY3"/>
-              </a:cxn>
-              <a:cxn ang="0">
-                <a:pos x="connsiteX4" y="connsiteY4"/>
-              </a:cxn>
-              <a:cxn ang="0">
-                <a:pos x="connsiteX5" y="connsiteY5"/>
-              </a:cxn>
-              <a:cxn ang="0">
-                <a:pos x="connsiteX6" y="connsiteY6"/>
-              </a:cxn>
-              <a:cxn ang="0">
-                <a:pos x="connsiteX7" y="connsiteY7"/>
-              </a:cxn>
-            </a:cxnLst>
-            <a:rect l="l" t="t" r="r" b="b"/>
-            <a:pathLst>
-              <a:path w="9786594" h="5032376">
-                <a:moveTo>
-                  <a:pt x="0" y="0"/>
-                </a:moveTo>
-                <a:lnTo>
-                  <a:pt x="2130696" y="0"/>
-                </a:lnTo>
-                <a:lnTo>
-                  <a:pt x="4685057" y="0"/>
-                </a:lnTo>
-                <a:lnTo>
-                  <a:pt x="6291520" y="0"/>
-                </a:lnTo>
-                <a:lnTo>
-                  <a:pt x="7449885" y="0"/>
-                </a:lnTo>
-                <a:lnTo>
-                  <a:pt x="7455943" y="0"/>
-                </a:lnTo>
-                <a:lnTo>
-                  <a:pt x="9786594" y="5032376"/>
-                </a:lnTo>
-                <a:lnTo>
-                  <a:pt x="0" y="5032376"/>
-                </a:lnTo>
-                <a:close/>
-              </a:path>
-            </a:pathLst>
-          </a:custGeom>
-          <a:solidFill>
-            <a:schemeClr val="tx1">
-              <a:lumMod val="85000"/>
-              <a:lumOff val="15000"/>
-            </a:schemeClr>
-          </a:solidFill>
-          <a:ln>
-            <a:noFill/>
-          </a:ln>
-        </p:spPr>
-        <p:style>
-          <a:lnRef idx="2">
-            <a:schemeClr val="accent1">
-              <a:shade val="50000"/>
-            </a:schemeClr>
-          </a:lnRef>
-          <a:fillRef idx="1">
-            <a:schemeClr val="accent1"/>
-          </a:fillRef>
-          <a:effectRef idx="0">
-            <a:schemeClr val="accent1"/>
-          </a:effectRef>
-          <a:fontRef idx="minor">
-            <a:schemeClr val="lt1"/>
-          </a:fontRef>
-        </p:style>
-        <p:txBody>
-          <a:bodyPr wrap="square" rtlCol="0" anchor="ctr">
-            <a:noAutofit/>
-          </a:bodyPr>
-          <a:lstStyle/>
-          <a:p>
-            <a:pPr algn="ctr"/>
-            <a:endParaRPr lang="en-US"/>
-          </a:p>
-        </p:txBody>
-      </p:sp>
-      <p:sp>
-        <p:nvSpPr>
-          <p:cNvPr id="2" name="Title 1"/>
-          <p:cNvSpPr>
-            <a:spLocks noGrp="1"/>
-          </p:cNvSpPr>
-          <p:nvPr>
-            <p:ph type="title"/>
-          </p:nvPr>
-        </p:nvSpPr>
-        <p:spPr>
-          <a:xfrm>
-            <a:off x="838200" y="365125"/>
-            <a:ext cx="10515600" cy="1325563"/>
-          </a:xfrm>
-        </p:spPr>
-        <p:txBody>
-          <a:bodyPr>
-            <a:normAutofit/>
-          </a:bodyPr>
-          <a:lstStyle/>
-          <a:p>
-            <a:r>
-              <a:rPr lang="en-US" dirty="0"/>
-              <a:t>Development Process Assessment</a:t>
-            </a:r>
-          </a:p>
-        </p:txBody>
-      </p:sp>
-      <p:sp>
-        <p:nvSpPr>
-          <p:cNvPr id="3" name="Content Placeholder 2"/>
-          <p:cNvSpPr>
-            <a:spLocks noGrp="1"/>
-          </p:cNvSpPr>
-          <p:nvPr>
-            <p:ph idx="1"/>
-          </p:nvPr>
-        </p:nvSpPr>
-        <p:spPr>
-          <a:xfrm>
-            <a:off x="328028" y="1919912"/>
-            <a:ext cx="7196015" cy="4572963"/>
-          </a:xfrm>
-        </p:spPr>
-        <p:txBody>
-          <a:bodyPr anchor="ctr">
-            <a:normAutofit/>
-          </a:bodyPr>
-          <a:lstStyle/>
-          <a:p>
-            <a:pPr>
-              <a:lnSpc>
-                <a:spcPct val="70000"/>
-              </a:lnSpc>
-            </a:pPr>
-            <a:endParaRPr lang="en-US" sz="1900" dirty="0">
-              <a:solidFill>
-                <a:schemeClr val="bg1"/>
-              </a:solidFill>
-            </a:endParaRPr>
-          </a:p>
-          <a:p>
-            <a:pPr>
-              <a:lnSpc>
-                <a:spcPct val="70000"/>
-              </a:lnSpc>
-            </a:pPr>
-            <a:r>
-              <a:rPr lang="en-US" b="1" dirty="0">
-                <a:solidFill>
-                  <a:schemeClr val="bg1"/>
-                </a:solidFill>
-              </a:rPr>
-              <a:t>The Agile development process was used</a:t>
-            </a:r>
-            <a:br>
-              <a:rPr lang="en-US" b="1" dirty="0">
-                <a:solidFill>
-                  <a:schemeClr val="bg1"/>
-                </a:solidFill>
-              </a:rPr>
-            </a:br>
-            <a:endParaRPr lang="en-US" b="1" dirty="0">
-              <a:solidFill>
-                <a:schemeClr val="bg1"/>
-              </a:solidFill>
-            </a:endParaRPr>
-          </a:p>
-          <a:p>
-            <a:pPr lvl="1">
-              <a:lnSpc>
-                <a:spcPct val="70000"/>
-              </a:lnSpc>
-            </a:pPr>
-            <a:r>
-              <a:rPr lang="en-US" dirty="0">
-                <a:solidFill>
-                  <a:schemeClr val="bg1"/>
-                </a:solidFill>
-              </a:rPr>
-              <a:t>Two week sprints</a:t>
-            </a:r>
-            <a:br>
-              <a:rPr lang="en-US" dirty="0">
-                <a:solidFill>
-                  <a:schemeClr val="bg1"/>
-                </a:solidFill>
-              </a:rPr>
-            </a:br>
-            <a:endParaRPr lang="en-US" dirty="0">
-              <a:solidFill>
-                <a:schemeClr val="bg1"/>
-              </a:solidFill>
-            </a:endParaRPr>
-          </a:p>
-          <a:p>
-            <a:pPr lvl="1">
-              <a:lnSpc>
-                <a:spcPct val="70000"/>
-              </a:lnSpc>
-            </a:pPr>
-            <a:r>
-              <a:rPr lang="en-US" dirty="0">
-                <a:solidFill>
-                  <a:schemeClr val="bg1"/>
-                </a:solidFill>
-              </a:rPr>
-              <a:t>Bugs found in completed stories were generally fixed in the next iteration.</a:t>
-            </a:r>
-            <a:br>
-              <a:rPr lang="en-US" dirty="0">
-                <a:solidFill>
-                  <a:schemeClr val="bg1"/>
-                </a:solidFill>
-              </a:rPr>
-            </a:br>
-            <a:endParaRPr lang="en-US" dirty="0">
-              <a:solidFill>
-                <a:schemeClr val="bg1"/>
-              </a:solidFill>
-            </a:endParaRPr>
-          </a:p>
-          <a:p>
-            <a:pPr lvl="1">
-              <a:lnSpc>
-                <a:spcPct val="70000"/>
-              </a:lnSpc>
-            </a:pPr>
-            <a:r>
-              <a:rPr lang="en-US" dirty="0">
-                <a:solidFill>
-                  <a:schemeClr val="bg1"/>
-                </a:solidFill>
-              </a:rPr>
-              <a:t>Git, GitHub, and Pivotal Tracker were used for version tracking and collaboration.</a:t>
-            </a:r>
-          </a:p>
-          <a:p>
-            <a:pPr marL="0" indent="0">
-              <a:lnSpc>
-                <a:spcPct val="70000"/>
-              </a:lnSpc>
-              <a:buNone/>
-            </a:pPr>
-            <a:endParaRPr lang="en-US" sz="1900" dirty="0">
-              <a:solidFill>
-                <a:schemeClr val="bg1"/>
-              </a:solidFill>
-            </a:endParaRPr>
-          </a:p>
-        </p:txBody>
-      </p:sp>
-    </p:spTree>
-    <p:extLst>
-      <p:ext uri="{BB962C8B-B14F-4D97-AF65-F5344CB8AC3E}">
-        <p14:creationId xmlns:p14="http://schemas.microsoft.com/office/powerpoint/2010/main" val="2110206877"/>
-      </p:ext>
-    </p:extLst>
-  </p:cSld>
-  <p:clrMapOvr>
-    <a:masterClrMapping/>
-  </p:clrMapOvr>
-</p:sld>
-</file>
-
-<file path=ppt/slides/slide6.xml><?xml version="1.0" encoding="utf-8"?>
-<p:sld xmlns:a="http://schemas.openxmlformats.org/drawingml/2006/main" xmlns:r="http://schemas.openxmlformats.org/officeDocument/2006/relationships" xmlns:p="http://schemas.openxmlformats.org/presentationml/2006/main">
-  <p:cSld>
-    <p:spTree>
-      <p:nvGrpSpPr>
-        <p:cNvPr id="1" name=""/>
-        <p:cNvGrpSpPr/>
-        <p:nvPr/>
-      </p:nvGrpSpPr>
-      <p:grpSpPr>
-        <a:xfrm>
-          <a:off x="0" y="0"/>
-          <a:ext cx="0" cy="0"/>
-          <a:chOff x="0" y="0"/>
-          <a:chExt cx="0" cy="0"/>
-        </a:xfrm>
-      </p:grpSpPr>
-      <p:pic>
-        <p:nvPicPr>
-          <p:cNvPr id="6" name="Picture 5">
-            <a:extLst>
-              <a:ext uri="{FF2B5EF4-FFF2-40B4-BE49-F238E27FC236}">
-                <a16:creationId xmlns:a16="http://schemas.microsoft.com/office/drawing/2014/main" id="{2DCBE260-C400-4A5B-A472-F56A3EF488C7}"/>
-              </a:ext>
-            </a:extLst>
-          </p:cNvPr>
-          <p:cNvPicPr>
-            <a:picLocks noChangeAspect="1"/>
-          </p:cNvPicPr>
-          <p:nvPr/>
-        </p:nvPicPr>
-        <p:blipFill>
-          <a:blip r:embed="rId2">
-            <a:extLst>
-              <a:ext uri="{28A0092B-C50C-407E-A947-70E740481C1C}">
-                <a14:useLocalDpi xmlns:a14="http://schemas.microsoft.com/office/drawing/2010/main" val="0"/>
-              </a:ext>
-            </a:extLst>
-          </a:blip>
-          <a:stretch>
-            <a:fillRect/>
-          </a:stretch>
-        </p:blipFill>
-        <p:spPr>
-          <a:xfrm>
-            <a:off x="4441032" y="1690688"/>
-            <a:ext cx="7750968" cy="5167312"/>
-          </a:xfrm>
-          <a:prstGeom prst="rect">
-            <a:avLst/>
-          </a:prstGeom>
-        </p:spPr>
-      </p:pic>
-      <p:sp>
-        <p:nvSpPr>
-          <p:cNvPr id="18" name="Freeform 75"/>
-          <p:cNvSpPr>
-            <a:spLocks noGrp="1" noRot="1" noChangeAspect="1" noMove="1" noResize="1" noEditPoints="1" noAdjustHandles="1" noChangeArrowheads="1" noChangeShapeType="1" noTextEdit="1"/>
-          </p:cNvSpPr>
-          <p:nvPr>
-            <p:extLst>
-              <p:ext uri="{386F3935-93C4-4BCD-93E2-E3B085C9AB24}">
-                <p16:designElem xmlns:p16="http://schemas.microsoft.com/office/powerpoint/2015/main" val="1"/>
-              </p:ext>
-            </p:extLst>
-          </p:nvPr>
-        </p:nvSpPr>
-        <p:spPr>
-          <a:xfrm flipV="1">
-            <a:off x="0" y="1691640"/>
-            <a:ext cx="10052100" cy="5166360"/>
-          </a:xfrm>
-          <a:custGeom>
-            <a:avLst/>
-            <a:gdLst>
-              <a:gd name="connsiteX0" fmla="*/ 0 w 9786594"/>
-              <a:gd name="connsiteY0" fmla="*/ 0 h 5032376"/>
-              <a:gd name="connsiteX1" fmla="*/ 2130696 w 9786594"/>
-              <a:gd name="connsiteY1" fmla="*/ 0 h 5032376"/>
-              <a:gd name="connsiteX2" fmla="*/ 4685057 w 9786594"/>
-              <a:gd name="connsiteY2" fmla="*/ 0 h 5032376"/>
-              <a:gd name="connsiteX3" fmla="*/ 6291520 w 9786594"/>
-              <a:gd name="connsiteY3" fmla="*/ 0 h 5032376"/>
-              <a:gd name="connsiteX4" fmla="*/ 7449885 w 9786594"/>
-              <a:gd name="connsiteY4" fmla="*/ 0 h 5032376"/>
-              <a:gd name="connsiteX5" fmla="*/ 7455943 w 9786594"/>
-              <a:gd name="connsiteY5" fmla="*/ 0 h 5032376"/>
-              <a:gd name="connsiteX6" fmla="*/ 9786594 w 9786594"/>
-              <a:gd name="connsiteY6" fmla="*/ 5032376 h 5032376"/>
-              <a:gd name="connsiteX7" fmla="*/ 0 w 9786594"/>
-              <a:gd name="connsiteY7" fmla="*/ 5032376 h 5032376"/>
-            </a:gdLst>
-            <a:ahLst/>
-            <a:cxnLst>
-              <a:cxn ang="0">
-                <a:pos x="connsiteX0" y="connsiteY0"/>
-              </a:cxn>
-              <a:cxn ang="0">
-                <a:pos x="connsiteX1" y="connsiteY1"/>
-              </a:cxn>
-              <a:cxn ang="0">
-                <a:pos x="connsiteX2" y="connsiteY2"/>
-              </a:cxn>
-              <a:cxn ang="0">
-                <a:pos x="connsiteX3" y="connsiteY3"/>
-              </a:cxn>
-              <a:cxn ang="0">
-                <a:pos x="connsiteX4" y="connsiteY4"/>
-              </a:cxn>
-              <a:cxn ang="0">
-                <a:pos x="connsiteX5" y="connsiteY5"/>
-              </a:cxn>
-              <a:cxn ang="0">
-                <a:pos x="connsiteX6" y="connsiteY6"/>
-              </a:cxn>
-              <a:cxn ang="0">
-                <a:pos x="connsiteX7" y="connsiteY7"/>
-              </a:cxn>
-            </a:cxnLst>
-            <a:rect l="l" t="t" r="r" b="b"/>
-            <a:pathLst>
-              <a:path w="9786594" h="5032376">
-                <a:moveTo>
-                  <a:pt x="0" y="0"/>
-                </a:moveTo>
-                <a:lnTo>
-                  <a:pt x="2130696" y="0"/>
-                </a:lnTo>
-                <a:lnTo>
-                  <a:pt x="4685057" y="0"/>
-                </a:lnTo>
-                <a:lnTo>
-                  <a:pt x="6291520" y="0"/>
-                </a:lnTo>
-                <a:lnTo>
-                  <a:pt x="7449885" y="0"/>
-                </a:lnTo>
-                <a:lnTo>
-                  <a:pt x="7455943" y="0"/>
-                </a:lnTo>
-                <a:lnTo>
-                  <a:pt x="9786594" y="5032376"/>
-                </a:lnTo>
-                <a:lnTo>
-                  <a:pt x="0" y="5032376"/>
-                </a:lnTo>
-                <a:close/>
-              </a:path>
-            </a:pathLst>
-          </a:custGeom>
-          <a:solidFill>
-            <a:schemeClr val="tx1">
-              <a:lumMod val="85000"/>
-              <a:lumOff val="15000"/>
-            </a:schemeClr>
-          </a:solidFill>
-          <a:ln>
-            <a:noFill/>
-          </a:ln>
-        </p:spPr>
-        <p:style>
-          <a:lnRef idx="2">
-            <a:schemeClr val="accent1">
-              <a:shade val="50000"/>
-            </a:schemeClr>
-          </a:lnRef>
-          <a:fillRef idx="1">
-            <a:schemeClr val="accent1"/>
-          </a:fillRef>
-          <a:effectRef idx="0">
-            <a:schemeClr val="accent1"/>
-          </a:effectRef>
-          <a:fontRef idx="minor">
-            <a:schemeClr val="lt1"/>
-          </a:fontRef>
-        </p:style>
-        <p:txBody>
-          <a:bodyPr wrap="square" rtlCol="0" anchor="ctr">
-            <a:noAutofit/>
-          </a:bodyPr>
-          <a:lstStyle/>
-          <a:p>
-            <a:pPr algn="ctr"/>
-            <a:endParaRPr lang="en-US"/>
-          </a:p>
-        </p:txBody>
-      </p:sp>
-      <p:sp>
-        <p:nvSpPr>
-          <p:cNvPr id="2" name="Title 1"/>
-          <p:cNvSpPr>
-            <a:spLocks noGrp="1"/>
-          </p:cNvSpPr>
-          <p:nvPr>
-            <p:ph type="title"/>
-          </p:nvPr>
-        </p:nvSpPr>
-        <p:spPr>
-          <a:xfrm>
-            <a:off x="838200" y="365125"/>
-            <a:ext cx="10515600" cy="1325563"/>
-          </a:xfrm>
-        </p:spPr>
-        <p:txBody>
-          <a:bodyPr>
-            <a:normAutofit/>
-          </a:bodyPr>
-          <a:lstStyle/>
-          <a:p>
-            <a:r>
-              <a:rPr lang="en-US" dirty="0"/>
-              <a:t>Goals vs. Accomplishments</a:t>
-            </a:r>
-          </a:p>
-        </p:txBody>
-      </p:sp>
-      <p:sp>
-        <p:nvSpPr>
-          <p:cNvPr id="3" name="Content Placeholder 2"/>
-          <p:cNvSpPr>
-            <a:spLocks noGrp="1"/>
-          </p:cNvSpPr>
-          <p:nvPr>
-            <p:ph idx="1"/>
-          </p:nvPr>
-        </p:nvSpPr>
-        <p:spPr>
-          <a:xfrm>
-            <a:off x="328028" y="1919912"/>
-            <a:ext cx="7682741" cy="4572963"/>
-          </a:xfrm>
-        </p:spPr>
-        <p:txBody>
-          <a:bodyPr anchor="ctr">
-            <a:normAutofit/>
-          </a:bodyPr>
-          <a:lstStyle/>
-          <a:p>
-            <a:pPr marL="457200" lvl="1" indent="0">
-              <a:lnSpc>
-                <a:spcPct val="70000"/>
-              </a:lnSpc>
-              <a:buNone/>
-            </a:pPr>
-            <a:endParaRPr lang="en-US" dirty="0">
-              <a:solidFill>
-                <a:schemeClr val="bg1"/>
-              </a:solidFill>
-            </a:endParaRPr>
-          </a:p>
-          <a:p>
-            <a:pPr>
-              <a:lnSpc>
-                <a:spcPct val="70000"/>
-              </a:lnSpc>
-            </a:pPr>
-            <a:r>
-              <a:rPr lang="en-US" b="1" dirty="0">
-                <a:solidFill>
-                  <a:schemeClr val="bg1"/>
-                </a:solidFill>
-              </a:rPr>
-              <a:t>Completed Goals:</a:t>
-            </a:r>
-          </a:p>
-          <a:p>
-            <a:pPr lvl="1">
-              <a:lnSpc>
-                <a:spcPct val="70000"/>
-              </a:lnSpc>
-              <a:buFont typeface="Wingdings" panose="05000000000000000000" pitchFamily="2" charset="2"/>
-              <a:buChar char="ü"/>
-            </a:pPr>
-            <a:r>
-              <a:rPr lang="en-US" dirty="0">
-                <a:solidFill>
-                  <a:schemeClr val="bg1"/>
-                </a:solidFill>
-              </a:rPr>
-              <a:t>Construct balanced teams by player handicap.</a:t>
-            </a:r>
-          </a:p>
-          <a:p>
-            <a:pPr lvl="1">
-              <a:lnSpc>
-                <a:spcPct val="70000"/>
-              </a:lnSpc>
-              <a:buFont typeface="Wingdings" panose="05000000000000000000" pitchFamily="2" charset="2"/>
-              <a:buChar char="ü"/>
-            </a:pPr>
-            <a:r>
-              <a:rPr lang="en-US" dirty="0">
-                <a:solidFill>
-                  <a:schemeClr val="bg1"/>
-                </a:solidFill>
-              </a:rPr>
-              <a:t>Creation of unique player matchups across all rounds.</a:t>
-            </a:r>
-          </a:p>
-          <a:p>
-            <a:pPr lvl="1">
-              <a:lnSpc>
-                <a:spcPct val="70000"/>
-              </a:lnSpc>
-              <a:buFont typeface="Wingdings" panose="05000000000000000000" pitchFamily="2" charset="2"/>
-              <a:buChar char="ü"/>
-            </a:pPr>
-            <a:r>
-              <a:rPr lang="en-US" dirty="0">
-                <a:solidFill>
-                  <a:schemeClr val="bg1"/>
-                </a:solidFill>
-              </a:rPr>
-              <a:t>Track player points and putts for each round.</a:t>
-            </a:r>
-          </a:p>
-          <a:p>
-            <a:pPr lvl="1">
-              <a:lnSpc>
-                <a:spcPct val="70000"/>
-              </a:lnSpc>
-              <a:buFont typeface="Wingdings" panose="05000000000000000000" pitchFamily="2" charset="2"/>
-              <a:buChar char="ü"/>
-            </a:pPr>
-            <a:r>
-              <a:rPr lang="en-US" dirty="0">
-                <a:solidFill>
-                  <a:schemeClr val="bg1"/>
-                </a:solidFill>
-              </a:rPr>
-              <a:t>Allow denoting of substitutes in scores.</a:t>
-            </a:r>
-          </a:p>
-          <a:p>
-            <a:pPr lvl="1">
-              <a:lnSpc>
-                <a:spcPct val="70000"/>
-              </a:lnSpc>
-              <a:buFont typeface="Wingdings" panose="05000000000000000000" pitchFamily="2" charset="2"/>
-              <a:buChar char="ü"/>
-            </a:pPr>
-            <a:r>
-              <a:rPr lang="en-US" dirty="0">
-                <a:solidFill>
-                  <a:schemeClr val="bg1"/>
-                </a:solidFill>
-              </a:rPr>
-              <a:t>Determine final tournament winners.</a:t>
-            </a:r>
-          </a:p>
-          <a:p>
-            <a:pPr lvl="1">
-              <a:lnSpc>
-                <a:spcPct val="70000"/>
-              </a:lnSpc>
-              <a:buFont typeface="Wingdings" panose="05000000000000000000" pitchFamily="2" charset="2"/>
-              <a:buChar char="ü"/>
-            </a:pPr>
-            <a:r>
-              <a:rPr lang="en-US" dirty="0">
-                <a:solidFill>
-                  <a:schemeClr val="bg1"/>
-                </a:solidFill>
-              </a:rPr>
-              <a:t>Maintain records of previous tournament data.</a:t>
-            </a:r>
-          </a:p>
-          <a:p>
-            <a:pPr lvl="1">
-              <a:lnSpc>
-                <a:spcPct val="70000"/>
-              </a:lnSpc>
-              <a:buFont typeface="Wingdings" panose="05000000000000000000" pitchFamily="2" charset="2"/>
-              <a:buChar char="ü"/>
-            </a:pPr>
-            <a:r>
-              <a:rPr lang="en-US" dirty="0">
-                <a:solidFill>
-                  <a:schemeClr val="bg1"/>
-                </a:solidFill>
-              </a:rPr>
-              <a:t>Happy client.</a:t>
-            </a:r>
-            <a:br>
-              <a:rPr lang="en-US" dirty="0">
-                <a:solidFill>
-                  <a:schemeClr val="bg1"/>
-                </a:solidFill>
-              </a:rPr>
-            </a:br>
-            <a:endParaRPr lang="en-US" dirty="0">
-              <a:solidFill>
-                <a:schemeClr val="bg1"/>
-              </a:solidFill>
-            </a:endParaRPr>
-          </a:p>
-          <a:p>
-            <a:pPr>
-              <a:lnSpc>
-                <a:spcPct val="70000"/>
-              </a:lnSpc>
-            </a:pPr>
-            <a:r>
-              <a:rPr lang="en-US" b="1" dirty="0">
-                <a:solidFill>
-                  <a:schemeClr val="bg1"/>
-                </a:solidFill>
-              </a:rPr>
-              <a:t>Incomplete Goals:</a:t>
-            </a:r>
-          </a:p>
-          <a:p>
-            <a:pPr lvl="1">
-              <a:lnSpc>
-                <a:spcPct val="70000"/>
-              </a:lnSpc>
-            </a:pPr>
-            <a:r>
-              <a:rPr lang="en-US" b="1" dirty="0">
-                <a:solidFill>
-                  <a:schemeClr val="bg1"/>
-                </a:solidFill>
-              </a:rPr>
-              <a:t>None!</a:t>
-            </a:r>
-          </a:p>
-          <a:p>
-            <a:pPr marL="0" indent="0">
-              <a:lnSpc>
-                <a:spcPct val="70000"/>
-              </a:lnSpc>
-              <a:buNone/>
-            </a:pPr>
-            <a:endParaRPr lang="en-US" sz="2300" dirty="0">
-              <a:solidFill>
-                <a:schemeClr val="bg1"/>
-              </a:solidFill>
-            </a:endParaRPr>
-          </a:p>
-        </p:txBody>
-      </p:sp>
-    </p:spTree>
-    <p:extLst>
-      <p:ext uri="{BB962C8B-B14F-4D97-AF65-F5344CB8AC3E}">
-        <p14:creationId xmlns:p14="http://schemas.microsoft.com/office/powerpoint/2010/main" val="3964813212"/>
-      </p:ext>
-    </p:extLst>
-  </p:cSld>
-  <p:clrMapOvr>
-    <a:masterClrMapping/>
-  </p:clrMapOvr>
-</p:sld>
-</file>
-
-<file path=ppt/slides/slide7.xml><?xml version="1.0" encoding="utf-8"?>
-<p:sld xmlns:a="http://schemas.openxmlformats.org/drawingml/2006/main" xmlns:r="http://schemas.openxmlformats.org/officeDocument/2006/relationships" xmlns:p="http://schemas.openxmlformats.org/presentationml/2006/main">
-  <p:cSld>
-    <p:spTree>
-      <p:nvGrpSpPr>
-        <p:cNvPr id="1" name=""/>
-        <p:cNvGrpSpPr/>
-        <p:nvPr/>
-      </p:nvGrpSpPr>
-      <p:grpSpPr>
-        <a:xfrm>
-          <a:off x="0" y="0"/>
-          <a:ext cx="0" cy="0"/>
-          <a:chOff x="0" y="0"/>
-          <a:chExt cx="0" cy="0"/>
-        </a:xfrm>
-      </p:grpSpPr>
-      <p:pic>
-        <p:nvPicPr>
-          <p:cNvPr id="6" name="Picture 5">
-            <a:extLst>
-              <a:ext uri="{FF2B5EF4-FFF2-40B4-BE49-F238E27FC236}">
-                <a16:creationId xmlns:a16="http://schemas.microsoft.com/office/drawing/2014/main" id="{7ECC7342-DBBC-48A7-84D0-E7DF4329AAC4}"/>
-              </a:ext>
-            </a:extLst>
-          </p:cNvPr>
-          <p:cNvPicPr>
-            <a:picLocks noChangeAspect="1"/>
-          </p:cNvPicPr>
-          <p:nvPr/>
-        </p:nvPicPr>
-        <p:blipFill>
-          <a:blip r:embed="rId2">
-            <a:extLst>
-              <a:ext uri="{28A0092B-C50C-407E-A947-70E740481C1C}">
-                <a14:useLocalDpi xmlns:a14="http://schemas.microsoft.com/office/drawing/2010/main" val="0"/>
-              </a:ext>
-            </a:extLst>
-          </a:blip>
-          <a:stretch>
-            <a:fillRect/>
-          </a:stretch>
-        </p:blipFill>
-        <p:spPr>
-          <a:xfrm>
-            <a:off x="4441032" y="1690688"/>
-            <a:ext cx="7750968" cy="5167312"/>
-          </a:xfrm>
-          <a:prstGeom prst="rect">
-            <a:avLst/>
-          </a:prstGeom>
-        </p:spPr>
-      </p:pic>
-      <p:sp>
-        <p:nvSpPr>
-          <p:cNvPr id="18" name="Freeform 75"/>
-          <p:cNvSpPr>
-            <a:spLocks noGrp="1" noRot="1" noChangeAspect="1" noMove="1" noResize="1" noEditPoints="1" noAdjustHandles="1" noChangeArrowheads="1" noChangeShapeType="1" noTextEdit="1"/>
-          </p:cNvSpPr>
-          <p:nvPr>
-            <p:extLst>
-              <p:ext uri="{386F3935-93C4-4BCD-93E2-E3B085C9AB24}">
-                <p16:designElem xmlns:p16="http://schemas.microsoft.com/office/powerpoint/2015/main" val="1"/>
-              </p:ext>
-            </p:extLst>
-          </p:nvPr>
-        </p:nvSpPr>
-        <p:spPr>
-          <a:xfrm flipV="1">
-            <a:off x="0" y="1691640"/>
-            <a:ext cx="10052100" cy="5166360"/>
-          </a:xfrm>
-          <a:custGeom>
-            <a:avLst/>
-            <a:gdLst>
-              <a:gd name="connsiteX0" fmla="*/ 0 w 9786594"/>
-              <a:gd name="connsiteY0" fmla="*/ 0 h 5032376"/>
-              <a:gd name="connsiteX1" fmla="*/ 2130696 w 9786594"/>
-              <a:gd name="connsiteY1" fmla="*/ 0 h 5032376"/>
-              <a:gd name="connsiteX2" fmla="*/ 4685057 w 9786594"/>
-              <a:gd name="connsiteY2" fmla="*/ 0 h 5032376"/>
-              <a:gd name="connsiteX3" fmla="*/ 6291520 w 9786594"/>
-              <a:gd name="connsiteY3" fmla="*/ 0 h 5032376"/>
-              <a:gd name="connsiteX4" fmla="*/ 7449885 w 9786594"/>
-              <a:gd name="connsiteY4" fmla="*/ 0 h 5032376"/>
-              <a:gd name="connsiteX5" fmla="*/ 7455943 w 9786594"/>
-              <a:gd name="connsiteY5" fmla="*/ 0 h 5032376"/>
-              <a:gd name="connsiteX6" fmla="*/ 9786594 w 9786594"/>
-              <a:gd name="connsiteY6" fmla="*/ 5032376 h 5032376"/>
-              <a:gd name="connsiteX7" fmla="*/ 0 w 9786594"/>
-              <a:gd name="connsiteY7" fmla="*/ 5032376 h 5032376"/>
-            </a:gdLst>
-            <a:ahLst/>
-            <a:cxnLst>
-              <a:cxn ang="0">
-                <a:pos x="connsiteX0" y="connsiteY0"/>
-              </a:cxn>
-              <a:cxn ang="0">
-                <a:pos x="connsiteX1" y="connsiteY1"/>
-              </a:cxn>
-              <a:cxn ang="0">
-                <a:pos x="connsiteX2" y="connsiteY2"/>
-              </a:cxn>
-              <a:cxn ang="0">
-                <a:pos x="connsiteX3" y="connsiteY3"/>
-              </a:cxn>
-              <a:cxn ang="0">
-                <a:pos x="connsiteX4" y="connsiteY4"/>
-              </a:cxn>
-              <a:cxn ang="0">
-                <a:pos x="connsiteX5" y="connsiteY5"/>
-              </a:cxn>
-              <a:cxn ang="0">
-                <a:pos x="connsiteX6" y="connsiteY6"/>
-              </a:cxn>
-              <a:cxn ang="0">
-                <a:pos x="connsiteX7" y="connsiteY7"/>
-              </a:cxn>
-            </a:cxnLst>
-            <a:rect l="l" t="t" r="r" b="b"/>
-            <a:pathLst>
-              <a:path w="9786594" h="5032376">
-                <a:moveTo>
-                  <a:pt x="0" y="0"/>
-                </a:moveTo>
-                <a:lnTo>
-                  <a:pt x="2130696" y="0"/>
-                </a:lnTo>
-                <a:lnTo>
-                  <a:pt x="4685057" y="0"/>
-                </a:lnTo>
-                <a:lnTo>
-                  <a:pt x="6291520" y="0"/>
-                </a:lnTo>
-                <a:lnTo>
-                  <a:pt x="7449885" y="0"/>
-                </a:lnTo>
-                <a:lnTo>
-                  <a:pt x="7455943" y="0"/>
-                </a:lnTo>
-                <a:lnTo>
-                  <a:pt x="9786594" y="5032376"/>
-                </a:lnTo>
-                <a:lnTo>
-                  <a:pt x="0" y="5032376"/>
-                </a:lnTo>
-                <a:close/>
-              </a:path>
-            </a:pathLst>
-          </a:custGeom>
-          <a:solidFill>
-            <a:schemeClr val="tx1">
-              <a:lumMod val="85000"/>
-              <a:lumOff val="15000"/>
-            </a:schemeClr>
-          </a:solidFill>
-          <a:ln>
-            <a:noFill/>
-          </a:ln>
-        </p:spPr>
-        <p:style>
-          <a:lnRef idx="2">
-            <a:schemeClr val="accent1">
-              <a:shade val="50000"/>
-            </a:schemeClr>
-          </a:lnRef>
-          <a:fillRef idx="1">
-            <a:schemeClr val="accent1"/>
-          </a:fillRef>
-          <a:effectRef idx="0">
-            <a:schemeClr val="accent1"/>
-          </a:effectRef>
-          <a:fontRef idx="minor">
-            <a:schemeClr val="lt1"/>
-          </a:fontRef>
-        </p:style>
-        <p:txBody>
-          <a:bodyPr wrap="square" rtlCol="0" anchor="ctr">
-            <a:noAutofit/>
-          </a:bodyPr>
-          <a:lstStyle/>
-          <a:p>
-            <a:pPr algn="ctr"/>
-            <a:endParaRPr lang="en-US"/>
-          </a:p>
-        </p:txBody>
-      </p:sp>
-      <p:sp>
-        <p:nvSpPr>
-          <p:cNvPr id="2" name="Title 1"/>
-          <p:cNvSpPr>
-            <a:spLocks noGrp="1"/>
-          </p:cNvSpPr>
-          <p:nvPr>
-            <p:ph type="title"/>
-          </p:nvPr>
-        </p:nvSpPr>
-        <p:spPr>
-          <a:xfrm>
-            <a:off x="838200" y="365125"/>
-            <a:ext cx="10515600" cy="1325563"/>
-          </a:xfrm>
-        </p:spPr>
-        <p:txBody>
-          <a:bodyPr>
-            <a:normAutofit/>
-          </a:bodyPr>
-          <a:lstStyle/>
-          <a:p>
-            <a:r>
-              <a:rPr lang="en-US" dirty="0"/>
-              <a:t>Testing Process and Results – Negative Testing</a:t>
-            </a:r>
-          </a:p>
-        </p:txBody>
-      </p:sp>
-      <p:sp>
-        <p:nvSpPr>
-          <p:cNvPr id="3" name="Content Placeholder 2"/>
-          <p:cNvSpPr>
-            <a:spLocks noGrp="1"/>
-          </p:cNvSpPr>
-          <p:nvPr>
-            <p:ph idx="1"/>
-          </p:nvPr>
-        </p:nvSpPr>
-        <p:spPr>
-          <a:xfrm>
-            <a:off x="328027" y="1919912"/>
-            <a:ext cx="7633276" cy="4572963"/>
-          </a:xfrm>
-        </p:spPr>
-        <p:txBody>
-          <a:bodyPr anchor="ctr">
-            <a:normAutofit lnSpcReduction="10000"/>
-          </a:bodyPr>
-          <a:lstStyle/>
-          <a:p>
-            <a:pPr>
-              <a:lnSpc>
-                <a:spcPct val="70000"/>
-              </a:lnSpc>
-            </a:pPr>
-            <a:endParaRPr lang="en-US" sz="1900" dirty="0">
-              <a:solidFill>
-                <a:schemeClr val="bg1"/>
-              </a:solidFill>
-            </a:endParaRPr>
-          </a:p>
-          <a:p>
-            <a:pPr>
-              <a:lnSpc>
-                <a:spcPct val="70000"/>
-              </a:lnSpc>
-            </a:pPr>
-            <a:r>
-              <a:rPr lang="en-US" b="1" dirty="0">
-                <a:solidFill>
-                  <a:schemeClr val="bg1"/>
-                </a:solidFill>
-              </a:rPr>
-              <a:t>Negative Testing was performed:</a:t>
-            </a:r>
-            <a:br>
-              <a:rPr lang="en-US" dirty="0">
-                <a:solidFill>
-                  <a:schemeClr val="bg1"/>
-                </a:solidFill>
-              </a:rPr>
-            </a:br>
-            <a:endParaRPr lang="en-US" dirty="0">
-              <a:solidFill>
-                <a:schemeClr val="bg1"/>
-              </a:solidFill>
-            </a:endParaRPr>
-          </a:p>
-          <a:p>
-            <a:pPr lvl="1">
-              <a:lnSpc>
-                <a:spcPct val="70000"/>
-              </a:lnSpc>
-            </a:pPr>
-            <a:r>
-              <a:rPr lang="en-US" b="1" dirty="0">
-                <a:solidFill>
-                  <a:schemeClr val="bg1"/>
-                </a:solidFill>
-              </a:rPr>
-              <a:t>Invalid/out of bounds input</a:t>
-            </a:r>
-            <a:r>
-              <a:rPr lang="en-US" dirty="0">
-                <a:solidFill>
-                  <a:schemeClr val="bg1"/>
-                </a:solidFill>
-              </a:rPr>
-              <a:t> - Ex: an integer is expected, but a larger number or an alphabetic character was received.</a:t>
-            </a:r>
-            <a:br>
-              <a:rPr lang="en-US" dirty="0">
-                <a:solidFill>
-                  <a:schemeClr val="bg1"/>
-                </a:solidFill>
-              </a:rPr>
-            </a:br>
-            <a:endParaRPr lang="en-US" dirty="0">
-              <a:solidFill>
-                <a:schemeClr val="bg1"/>
-              </a:solidFill>
-            </a:endParaRPr>
-          </a:p>
-          <a:p>
-            <a:pPr lvl="1">
-              <a:lnSpc>
-                <a:spcPct val="70000"/>
-              </a:lnSpc>
-            </a:pPr>
-            <a:r>
-              <a:rPr lang="en-US" b="1" dirty="0">
-                <a:solidFill>
-                  <a:schemeClr val="bg1"/>
-                </a:solidFill>
-              </a:rPr>
-              <a:t>Incomplete input</a:t>
-            </a:r>
-            <a:r>
-              <a:rPr lang="en-US" dirty="0">
-                <a:solidFill>
-                  <a:schemeClr val="bg1"/>
-                </a:solidFill>
-              </a:rPr>
-              <a:t> - Ex: unpopulated required input fields.</a:t>
-            </a:r>
-            <a:br>
-              <a:rPr lang="en-US" dirty="0">
-                <a:solidFill>
-                  <a:schemeClr val="bg1"/>
-                </a:solidFill>
-              </a:rPr>
-            </a:br>
-            <a:r>
-              <a:rPr lang="en-US" dirty="0">
-                <a:solidFill>
-                  <a:schemeClr val="bg1"/>
-                </a:solidFill>
-              </a:rPr>
-              <a:t>	</a:t>
-            </a:r>
-          </a:p>
-          <a:p>
-            <a:pPr lvl="1">
-              <a:lnSpc>
-                <a:spcPct val="70000"/>
-              </a:lnSpc>
-            </a:pPr>
-            <a:r>
-              <a:rPr lang="en-US" b="1" dirty="0">
-                <a:solidFill>
-                  <a:schemeClr val="bg1"/>
-                </a:solidFill>
-              </a:rPr>
-              <a:t>Out of order operations </a:t>
-            </a:r>
-            <a:r>
-              <a:rPr lang="en-US" dirty="0">
-                <a:solidFill>
-                  <a:schemeClr val="bg1"/>
-                </a:solidFill>
-              </a:rPr>
-              <a:t>– Ex: expecting the user to follow processes A, B, then C, but the user attempts B, A, then C.</a:t>
-            </a:r>
-            <a:br>
-              <a:rPr lang="en-US" dirty="0">
-                <a:solidFill>
-                  <a:schemeClr val="bg1"/>
-                </a:solidFill>
-              </a:rPr>
-            </a:br>
-            <a:endParaRPr lang="en-US" dirty="0">
-              <a:solidFill>
-                <a:schemeClr val="bg1"/>
-              </a:solidFill>
-            </a:endParaRPr>
-          </a:p>
-          <a:p>
-            <a:pPr>
-              <a:lnSpc>
-                <a:spcPct val="70000"/>
-              </a:lnSpc>
-            </a:pPr>
-            <a:r>
-              <a:rPr lang="en-US" b="1" dirty="0">
-                <a:solidFill>
-                  <a:schemeClr val="bg1"/>
-                </a:solidFill>
-              </a:rPr>
-              <a:t>Results:</a:t>
-            </a:r>
-          </a:p>
-          <a:p>
-            <a:pPr lvl="1">
-              <a:lnSpc>
-                <a:spcPct val="70000"/>
-              </a:lnSpc>
-            </a:pPr>
-            <a:r>
-              <a:rPr lang="en-US" dirty="0">
-                <a:solidFill>
-                  <a:schemeClr val="bg1"/>
-                </a:solidFill>
-              </a:rPr>
-              <a:t>All pre-conceived user interaction handled gracefully.</a:t>
-            </a:r>
-          </a:p>
-          <a:p>
-            <a:pPr lvl="2">
-              <a:lnSpc>
-                <a:spcPct val="70000"/>
-              </a:lnSpc>
-            </a:pPr>
-            <a:endParaRPr lang="en-US" dirty="0">
-              <a:solidFill>
-                <a:schemeClr val="bg1"/>
-              </a:solidFill>
-            </a:endParaRPr>
-          </a:p>
-          <a:p>
-            <a:pPr marL="0" indent="0">
-              <a:lnSpc>
-                <a:spcPct val="70000"/>
-              </a:lnSpc>
-              <a:buNone/>
-            </a:pPr>
-            <a:endParaRPr lang="en-US" sz="1900" dirty="0">
-              <a:solidFill>
-                <a:schemeClr val="bg1"/>
-              </a:solidFill>
-            </a:endParaRPr>
-          </a:p>
-        </p:txBody>
-      </p:sp>
-    </p:spTree>
-    <p:extLst>
-      <p:ext uri="{BB962C8B-B14F-4D97-AF65-F5344CB8AC3E}">
-        <p14:creationId xmlns:p14="http://schemas.microsoft.com/office/powerpoint/2010/main" val="1473689778"/>
-      </p:ext>
-    </p:extLst>
-  </p:cSld>
-  <p:clrMapOvr>
-    <a:masterClrMapping/>
-  </p:clrMapOvr>
-</p:sld>
-</file>
-
-<file path=ppt/slides/slide8.xml><?xml version="1.0" encoding="utf-8"?>
-<p:sld xmlns:a="http://schemas.openxmlformats.org/drawingml/2006/main" xmlns:r="http://schemas.openxmlformats.org/officeDocument/2006/relationships" xmlns:p="http://schemas.openxmlformats.org/presentationml/2006/main">
-  <p:cSld>
-    <p:spTree>
-      <p:nvGrpSpPr>
-        <p:cNvPr id="1" name=""/>
-        <p:cNvGrpSpPr/>
-        <p:nvPr/>
-      </p:nvGrpSpPr>
-      <p:grpSpPr>
-        <a:xfrm>
-          <a:off x="0" y="0"/>
-          <a:ext cx="0" cy="0"/>
-          <a:chOff x="0" y="0"/>
-          <a:chExt cx="0" cy="0"/>
-        </a:xfrm>
-      </p:grpSpPr>
-      <p:pic>
-        <p:nvPicPr>
-          <p:cNvPr id="6" name="Picture 5">
-            <a:extLst>
-              <a:ext uri="{FF2B5EF4-FFF2-40B4-BE49-F238E27FC236}">
-                <a16:creationId xmlns:a16="http://schemas.microsoft.com/office/drawing/2014/main" id="{7ECC7342-DBBC-48A7-84D0-E7DF4329AAC4}"/>
-              </a:ext>
-            </a:extLst>
-          </p:cNvPr>
-          <p:cNvPicPr>
-            <a:picLocks noChangeAspect="1"/>
-          </p:cNvPicPr>
-          <p:nvPr/>
-        </p:nvPicPr>
-        <p:blipFill>
-          <a:blip r:embed="rId2">
-            <a:extLst>
-              <a:ext uri="{28A0092B-C50C-407E-A947-70E740481C1C}">
-                <a14:useLocalDpi xmlns:a14="http://schemas.microsoft.com/office/drawing/2010/main" val="0"/>
-              </a:ext>
-            </a:extLst>
-          </a:blip>
-          <a:stretch>
-            <a:fillRect/>
-          </a:stretch>
-        </p:blipFill>
-        <p:spPr>
-          <a:xfrm>
-            <a:off x="4468410" y="1690688"/>
-            <a:ext cx="7750968" cy="5167312"/>
-          </a:xfrm>
-          <a:prstGeom prst="rect">
-            <a:avLst/>
-          </a:prstGeom>
-        </p:spPr>
-      </p:pic>
-      <p:sp>
-        <p:nvSpPr>
-          <p:cNvPr id="18" name="Freeform 75"/>
-          <p:cNvSpPr>
-            <a:spLocks noGrp="1" noRot="1" noChangeAspect="1" noMove="1" noResize="1" noEditPoints="1" noAdjustHandles="1" noChangeArrowheads="1" noChangeShapeType="1" noTextEdit="1"/>
-          </p:cNvSpPr>
-          <p:nvPr>
-            <p:extLst>
-              <p:ext uri="{386F3935-93C4-4BCD-93E2-E3B085C9AB24}">
-                <p16:designElem xmlns:p16="http://schemas.microsoft.com/office/powerpoint/2015/main" val="1"/>
-              </p:ext>
-            </p:extLst>
-          </p:nvPr>
-        </p:nvSpPr>
-        <p:spPr>
-          <a:xfrm flipV="1">
-            <a:off x="0" y="1691640"/>
-            <a:ext cx="10052100" cy="5166360"/>
-          </a:xfrm>
-          <a:custGeom>
-            <a:avLst/>
-            <a:gdLst>
-              <a:gd name="connsiteX0" fmla="*/ 0 w 9786594"/>
-              <a:gd name="connsiteY0" fmla="*/ 0 h 5032376"/>
-              <a:gd name="connsiteX1" fmla="*/ 2130696 w 9786594"/>
-              <a:gd name="connsiteY1" fmla="*/ 0 h 5032376"/>
-              <a:gd name="connsiteX2" fmla="*/ 4685057 w 9786594"/>
-              <a:gd name="connsiteY2" fmla="*/ 0 h 5032376"/>
-              <a:gd name="connsiteX3" fmla="*/ 6291520 w 9786594"/>
-              <a:gd name="connsiteY3" fmla="*/ 0 h 5032376"/>
-              <a:gd name="connsiteX4" fmla="*/ 7449885 w 9786594"/>
-              <a:gd name="connsiteY4" fmla="*/ 0 h 5032376"/>
-              <a:gd name="connsiteX5" fmla="*/ 7455943 w 9786594"/>
-              <a:gd name="connsiteY5" fmla="*/ 0 h 5032376"/>
-              <a:gd name="connsiteX6" fmla="*/ 9786594 w 9786594"/>
-              <a:gd name="connsiteY6" fmla="*/ 5032376 h 5032376"/>
-              <a:gd name="connsiteX7" fmla="*/ 0 w 9786594"/>
-              <a:gd name="connsiteY7" fmla="*/ 5032376 h 5032376"/>
-            </a:gdLst>
-            <a:ahLst/>
-            <a:cxnLst>
-              <a:cxn ang="0">
-                <a:pos x="connsiteX0" y="connsiteY0"/>
-              </a:cxn>
-              <a:cxn ang="0">
-                <a:pos x="connsiteX1" y="connsiteY1"/>
-              </a:cxn>
-              <a:cxn ang="0">
-                <a:pos x="connsiteX2" y="connsiteY2"/>
-              </a:cxn>
-              <a:cxn ang="0">
-                <a:pos x="connsiteX3" y="connsiteY3"/>
-              </a:cxn>
-              <a:cxn ang="0">
-                <a:pos x="connsiteX4" y="connsiteY4"/>
-              </a:cxn>
-              <a:cxn ang="0">
-                <a:pos x="connsiteX5" y="connsiteY5"/>
-              </a:cxn>
-              <a:cxn ang="0">
-                <a:pos x="connsiteX6" y="connsiteY6"/>
-              </a:cxn>
-              <a:cxn ang="0">
-                <a:pos x="connsiteX7" y="connsiteY7"/>
-              </a:cxn>
-            </a:cxnLst>
-            <a:rect l="l" t="t" r="r" b="b"/>
-            <a:pathLst>
-              <a:path w="9786594" h="5032376">
-                <a:moveTo>
-                  <a:pt x="0" y="0"/>
-                </a:moveTo>
-                <a:lnTo>
-                  <a:pt x="2130696" y="0"/>
-                </a:lnTo>
-                <a:lnTo>
-                  <a:pt x="4685057" y="0"/>
-                </a:lnTo>
-                <a:lnTo>
-                  <a:pt x="6291520" y="0"/>
-                </a:lnTo>
-                <a:lnTo>
-                  <a:pt x="7449885" y="0"/>
-                </a:lnTo>
-                <a:lnTo>
-                  <a:pt x="7455943" y="0"/>
-                </a:lnTo>
-                <a:lnTo>
-                  <a:pt x="9786594" y="5032376"/>
-                </a:lnTo>
-                <a:lnTo>
-                  <a:pt x="0" y="5032376"/>
-                </a:lnTo>
-                <a:close/>
-              </a:path>
-            </a:pathLst>
-          </a:custGeom>
-          <a:solidFill>
-            <a:schemeClr val="tx1">
-              <a:lumMod val="85000"/>
-              <a:lumOff val="15000"/>
-            </a:schemeClr>
-          </a:solidFill>
-          <a:ln>
-            <a:noFill/>
-          </a:ln>
-        </p:spPr>
-        <p:style>
-          <a:lnRef idx="2">
-            <a:schemeClr val="accent1">
-              <a:shade val="50000"/>
-            </a:schemeClr>
-          </a:lnRef>
-          <a:fillRef idx="1">
-            <a:schemeClr val="accent1"/>
-          </a:fillRef>
-          <a:effectRef idx="0">
-            <a:schemeClr val="accent1"/>
-          </a:effectRef>
-          <a:fontRef idx="minor">
-            <a:schemeClr val="lt1"/>
-          </a:fontRef>
-        </p:style>
-        <p:txBody>
-          <a:bodyPr wrap="square" rtlCol="0" anchor="ctr">
-            <a:noAutofit/>
-          </a:bodyPr>
-          <a:lstStyle/>
-          <a:p>
-            <a:pPr algn="ctr"/>
-            <a:endParaRPr lang="en-US"/>
-          </a:p>
-        </p:txBody>
-      </p:sp>
-      <p:sp>
-        <p:nvSpPr>
-          <p:cNvPr id="2" name="Title 1"/>
-          <p:cNvSpPr>
-            <a:spLocks noGrp="1"/>
-          </p:cNvSpPr>
-          <p:nvPr>
-            <p:ph type="title"/>
-          </p:nvPr>
-        </p:nvSpPr>
-        <p:spPr>
-          <a:xfrm>
-            <a:off x="838200" y="365125"/>
-            <a:ext cx="10515600" cy="1325563"/>
-          </a:xfrm>
-        </p:spPr>
-        <p:txBody>
-          <a:bodyPr>
-            <a:normAutofit/>
-          </a:bodyPr>
-          <a:lstStyle/>
-          <a:p>
-            <a:r>
-              <a:rPr lang="en-US" dirty="0"/>
-              <a:t>Testing Process and Results – Positive Testing</a:t>
-            </a:r>
-          </a:p>
-        </p:txBody>
-      </p:sp>
-      <p:sp>
-        <p:nvSpPr>
-          <p:cNvPr id="3" name="Content Placeholder 2"/>
-          <p:cNvSpPr>
-            <a:spLocks noGrp="1"/>
-          </p:cNvSpPr>
-          <p:nvPr>
-            <p:ph idx="1"/>
-          </p:nvPr>
-        </p:nvSpPr>
-        <p:spPr>
-          <a:xfrm>
-            <a:off x="328028" y="1919912"/>
-            <a:ext cx="7401776" cy="4572963"/>
-          </a:xfrm>
-        </p:spPr>
-        <p:txBody>
-          <a:bodyPr anchor="ctr">
-            <a:normAutofit/>
-          </a:bodyPr>
-          <a:lstStyle/>
-          <a:p>
-            <a:pPr>
-              <a:lnSpc>
-                <a:spcPct val="70000"/>
-              </a:lnSpc>
-            </a:pPr>
-            <a:endParaRPr lang="en-US" sz="1900" dirty="0">
-              <a:solidFill>
-                <a:schemeClr val="bg1"/>
-              </a:solidFill>
-            </a:endParaRPr>
-          </a:p>
-          <a:p>
-            <a:pPr>
-              <a:lnSpc>
-                <a:spcPct val="70000"/>
-              </a:lnSpc>
-            </a:pPr>
-            <a:r>
-              <a:rPr lang="en-US" b="1" dirty="0">
-                <a:solidFill>
-                  <a:schemeClr val="bg1"/>
-                </a:solidFill>
-              </a:rPr>
-              <a:t>Positive Testing was performed:</a:t>
-            </a:r>
-            <a:br>
-              <a:rPr lang="en-US" dirty="0">
-                <a:solidFill>
-                  <a:schemeClr val="bg1"/>
-                </a:solidFill>
-              </a:rPr>
-            </a:br>
-            <a:endParaRPr lang="en-US" dirty="0">
-              <a:solidFill>
-                <a:schemeClr val="bg1"/>
-              </a:solidFill>
-            </a:endParaRPr>
-          </a:p>
-          <a:p>
-            <a:pPr lvl="1">
-              <a:lnSpc>
-                <a:spcPct val="70000"/>
-              </a:lnSpc>
-            </a:pPr>
-            <a:r>
-              <a:rPr lang="en-US" dirty="0">
-                <a:solidFill>
-                  <a:schemeClr val="bg1"/>
-                </a:solidFill>
-              </a:rPr>
-              <a:t>Obtained prior-year tournament data (i.e. players, team/round structure, scores, and final results.</a:t>
-            </a:r>
-            <a:br>
-              <a:rPr lang="en-US" dirty="0">
-                <a:solidFill>
-                  <a:schemeClr val="bg1"/>
-                </a:solidFill>
-              </a:rPr>
-            </a:br>
-            <a:r>
-              <a:rPr lang="en-US" dirty="0">
-                <a:solidFill>
-                  <a:schemeClr val="bg1"/>
-                </a:solidFill>
-              </a:rPr>
-              <a:t>	</a:t>
-            </a:r>
-          </a:p>
-          <a:p>
-            <a:pPr lvl="1">
-              <a:lnSpc>
-                <a:spcPct val="70000"/>
-              </a:lnSpc>
-            </a:pPr>
-            <a:r>
-              <a:rPr lang="en-US" dirty="0">
-                <a:solidFill>
-                  <a:schemeClr val="bg1"/>
-                </a:solidFill>
-              </a:rPr>
-              <a:t>Constructed test tournaments in the application using prior-year data.</a:t>
-            </a:r>
-            <a:br>
-              <a:rPr lang="en-US" dirty="0">
-                <a:solidFill>
-                  <a:schemeClr val="bg1"/>
-                </a:solidFill>
-              </a:rPr>
-            </a:br>
-            <a:endParaRPr lang="en-US" dirty="0">
-              <a:solidFill>
-                <a:schemeClr val="bg1"/>
-              </a:solidFill>
-            </a:endParaRPr>
-          </a:p>
-          <a:p>
-            <a:pPr lvl="1">
-              <a:lnSpc>
-                <a:spcPct val="70000"/>
-              </a:lnSpc>
-            </a:pPr>
-            <a:r>
-              <a:rPr lang="en-US" dirty="0">
-                <a:solidFill>
-                  <a:schemeClr val="bg1"/>
-                </a:solidFill>
-              </a:rPr>
-              <a:t>Ensured application output matched prior-year results.</a:t>
-            </a:r>
-            <a:br>
-              <a:rPr lang="en-US" dirty="0">
-                <a:solidFill>
-                  <a:schemeClr val="bg1"/>
-                </a:solidFill>
-              </a:rPr>
-            </a:br>
-            <a:endParaRPr lang="en-US" dirty="0">
-              <a:solidFill>
-                <a:schemeClr val="bg1"/>
-              </a:solidFill>
-            </a:endParaRPr>
-          </a:p>
-          <a:p>
-            <a:pPr>
-              <a:lnSpc>
-                <a:spcPct val="70000"/>
-              </a:lnSpc>
-            </a:pPr>
-            <a:r>
-              <a:rPr lang="en-US" b="1" dirty="0">
-                <a:solidFill>
-                  <a:schemeClr val="bg1"/>
-                </a:solidFill>
-              </a:rPr>
-              <a:t>Results:</a:t>
-            </a:r>
-          </a:p>
-          <a:p>
-            <a:pPr lvl="1">
-              <a:lnSpc>
-                <a:spcPct val="70000"/>
-              </a:lnSpc>
-            </a:pPr>
-            <a:r>
-              <a:rPr lang="en-US" dirty="0">
-                <a:solidFill>
-                  <a:schemeClr val="bg1"/>
-                </a:solidFill>
-              </a:rPr>
-              <a:t>Application produced expected results.</a:t>
-            </a:r>
-          </a:p>
-          <a:p>
-            <a:pPr lvl="1">
-              <a:lnSpc>
-                <a:spcPct val="70000"/>
-              </a:lnSpc>
-            </a:pPr>
-            <a:endParaRPr lang="en-US" dirty="0">
-              <a:solidFill>
-                <a:schemeClr val="bg1"/>
-              </a:solidFill>
-            </a:endParaRPr>
-          </a:p>
-          <a:p>
-            <a:pPr marL="0" indent="0">
-              <a:lnSpc>
-                <a:spcPct val="70000"/>
-              </a:lnSpc>
-              <a:buNone/>
-            </a:pPr>
-            <a:endParaRPr lang="en-US" sz="1900" dirty="0">
-              <a:solidFill>
-                <a:schemeClr val="bg1"/>
-              </a:solidFill>
-            </a:endParaRPr>
-          </a:p>
-        </p:txBody>
-      </p:sp>
-    </p:spTree>
-    <p:extLst>
-      <p:ext uri="{BB962C8B-B14F-4D97-AF65-F5344CB8AC3E}">
-        <p14:creationId xmlns:p14="http://schemas.microsoft.com/office/powerpoint/2010/main" val="4154870396"/>
-      </p:ext>
-    </p:extLst>
-  </p:cSld>
-  <p:clrMapOvr>
-    <a:masterClrMapping/>
-  </p:clrMapOvr>
-</p:sld>
-</file>
-
-<file path=ppt/slides/slide9.xml><?xml version="1.0" encoding="utf-8"?>
-<p:sld xmlns:a="http://schemas.openxmlformats.org/drawingml/2006/main" xmlns:r="http://schemas.openxmlformats.org/officeDocument/2006/relationships" xmlns:p="http://schemas.openxmlformats.org/presentationml/2006/main">
-  <p:cSld>
-    <p:spTree>
-      <p:nvGrpSpPr>
-        <p:cNvPr id="1" name=""/>
-        <p:cNvGrpSpPr/>
-        <p:nvPr/>
-      </p:nvGrpSpPr>
-      <p:grpSpPr>
-        <a:xfrm>
-          <a:off x="0" y="0"/>
-          <a:ext cx="0" cy="0"/>
-          <a:chOff x="0" y="0"/>
-          <a:chExt cx="0" cy="0"/>
-        </a:xfrm>
-      </p:grpSpPr>
-      <p:pic>
-        <p:nvPicPr>
-          <p:cNvPr id="6" name="Picture 5">
-            <a:extLst>
-              <a:ext uri="{FF2B5EF4-FFF2-40B4-BE49-F238E27FC236}">
-                <a16:creationId xmlns:a16="http://schemas.microsoft.com/office/drawing/2014/main" id="{7ECC7342-DBBC-48A7-84D0-E7DF4329AAC4}"/>
-              </a:ext>
-            </a:extLst>
-          </p:cNvPr>
-          <p:cNvPicPr>
-            <a:picLocks noChangeAspect="1"/>
-          </p:cNvPicPr>
-          <p:nvPr/>
-        </p:nvPicPr>
-        <p:blipFill>
-          <a:blip r:embed="rId2">
-            <a:extLst>
-              <a:ext uri="{28A0092B-C50C-407E-A947-70E740481C1C}">
-                <a14:useLocalDpi xmlns:a14="http://schemas.microsoft.com/office/drawing/2010/main" val="0"/>
-              </a:ext>
-            </a:extLst>
-          </a:blip>
-          <a:stretch>
-            <a:fillRect/>
-          </a:stretch>
-        </p:blipFill>
-        <p:spPr>
-          <a:xfrm>
-            <a:off x="4441032" y="1690688"/>
-            <a:ext cx="7750968" cy="5167312"/>
-          </a:xfrm>
-          <a:prstGeom prst="rect">
-            <a:avLst/>
-          </a:prstGeom>
-        </p:spPr>
-      </p:pic>
-      <p:sp>
-        <p:nvSpPr>
-          <p:cNvPr id="18" name="Freeform 75"/>
-          <p:cNvSpPr>
-            <a:spLocks noGrp="1" noRot="1" noChangeAspect="1" noMove="1" noResize="1" noEditPoints="1" noAdjustHandles="1" noChangeArrowheads="1" noChangeShapeType="1" noTextEdit="1"/>
-          </p:cNvSpPr>
-          <p:nvPr>
-            <p:extLst>
-              <p:ext uri="{386F3935-93C4-4BCD-93E2-E3B085C9AB24}">
-                <p16:designElem xmlns:p16="http://schemas.microsoft.com/office/powerpoint/2015/main" val="1"/>
-              </p:ext>
-            </p:extLst>
-          </p:nvPr>
-        </p:nvSpPr>
-        <p:spPr>
-          <a:xfrm flipV="1">
-            <a:off x="0" y="1691640"/>
-            <a:ext cx="10052100" cy="5166360"/>
-          </a:xfrm>
-          <a:custGeom>
-            <a:avLst/>
-            <a:gdLst>
-              <a:gd name="connsiteX0" fmla="*/ 0 w 9786594"/>
-              <a:gd name="connsiteY0" fmla="*/ 0 h 5032376"/>
-              <a:gd name="connsiteX1" fmla="*/ 2130696 w 9786594"/>
-              <a:gd name="connsiteY1" fmla="*/ 0 h 5032376"/>
-              <a:gd name="connsiteX2" fmla="*/ 4685057 w 9786594"/>
-              <a:gd name="connsiteY2" fmla="*/ 0 h 5032376"/>
-              <a:gd name="connsiteX3" fmla="*/ 6291520 w 9786594"/>
-              <a:gd name="connsiteY3" fmla="*/ 0 h 5032376"/>
-              <a:gd name="connsiteX4" fmla="*/ 7449885 w 9786594"/>
-              <a:gd name="connsiteY4" fmla="*/ 0 h 5032376"/>
-              <a:gd name="connsiteX5" fmla="*/ 7455943 w 9786594"/>
-              <a:gd name="connsiteY5" fmla="*/ 0 h 5032376"/>
-              <a:gd name="connsiteX6" fmla="*/ 9786594 w 9786594"/>
-              <a:gd name="connsiteY6" fmla="*/ 5032376 h 5032376"/>
-              <a:gd name="connsiteX7" fmla="*/ 0 w 9786594"/>
-              <a:gd name="connsiteY7" fmla="*/ 5032376 h 5032376"/>
-            </a:gdLst>
-            <a:ahLst/>
-            <a:cxnLst>
-              <a:cxn ang="0">
-                <a:pos x="connsiteX0" y="connsiteY0"/>
-              </a:cxn>
-              <a:cxn ang="0">
-                <a:pos x="connsiteX1" y="connsiteY1"/>
-              </a:cxn>
-              <a:cxn ang="0">
-                <a:pos x="connsiteX2" y="connsiteY2"/>
-              </a:cxn>
-              <a:cxn ang="0">
-                <a:pos x="connsiteX3" y="connsiteY3"/>
-              </a:cxn>
-              <a:cxn ang="0">
-                <a:pos x="connsiteX4" y="connsiteY4"/>
-              </a:cxn>
-              <a:cxn ang="0">
-                <a:pos x="connsiteX5" y="connsiteY5"/>
-              </a:cxn>
-              <a:cxn ang="0">
-                <a:pos x="connsiteX6" y="connsiteY6"/>
-              </a:cxn>
-              <a:cxn ang="0">
-                <a:pos x="connsiteX7" y="connsiteY7"/>
-              </a:cxn>
-            </a:cxnLst>
-            <a:rect l="l" t="t" r="r" b="b"/>
-            <a:pathLst>
-              <a:path w="9786594" h="5032376">
-                <a:moveTo>
-                  <a:pt x="0" y="0"/>
-                </a:moveTo>
-                <a:lnTo>
-                  <a:pt x="2130696" y="0"/>
-                </a:lnTo>
-                <a:lnTo>
-                  <a:pt x="4685057" y="0"/>
-                </a:lnTo>
-                <a:lnTo>
-                  <a:pt x="6291520" y="0"/>
-                </a:lnTo>
-                <a:lnTo>
-                  <a:pt x="7449885" y="0"/>
-                </a:lnTo>
-                <a:lnTo>
-                  <a:pt x="7455943" y="0"/>
-                </a:lnTo>
-                <a:lnTo>
-                  <a:pt x="9786594" y="5032376"/>
-                </a:lnTo>
-                <a:lnTo>
-                  <a:pt x="0" y="5032376"/>
-                </a:lnTo>
-                <a:close/>
-              </a:path>
-            </a:pathLst>
-          </a:custGeom>
-          <a:solidFill>
-            <a:schemeClr val="tx1">
-              <a:lumMod val="85000"/>
-              <a:lumOff val="15000"/>
-            </a:schemeClr>
-          </a:solidFill>
-          <a:ln>
-            <a:noFill/>
-          </a:ln>
-        </p:spPr>
-        <p:style>
-          <a:lnRef idx="2">
-            <a:schemeClr val="accent1">
-              <a:shade val="50000"/>
-            </a:schemeClr>
-          </a:lnRef>
-          <a:fillRef idx="1">
-            <a:schemeClr val="accent1"/>
-          </a:fillRef>
-          <a:effectRef idx="0">
-            <a:schemeClr val="accent1"/>
-          </a:effectRef>
-          <a:fontRef idx="minor">
-            <a:schemeClr val="lt1"/>
-          </a:fontRef>
-        </p:style>
-        <p:txBody>
-          <a:bodyPr wrap="square" rtlCol="0" anchor="ctr">
-            <a:noAutofit/>
-          </a:bodyPr>
-          <a:lstStyle/>
-          <a:p>
-            <a:pPr algn="ctr"/>
-            <a:endParaRPr lang="en-US"/>
-          </a:p>
-        </p:txBody>
-      </p:sp>
-      <p:sp>
-        <p:nvSpPr>
-          <p:cNvPr id="2" name="Title 1"/>
-          <p:cNvSpPr>
-            <a:spLocks noGrp="1"/>
-          </p:cNvSpPr>
-          <p:nvPr>
-            <p:ph type="title"/>
-          </p:nvPr>
-        </p:nvSpPr>
-        <p:spPr>
-          <a:xfrm>
-            <a:off x="838200" y="365125"/>
-            <a:ext cx="10515600" cy="1325563"/>
-          </a:xfrm>
-        </p:spPr>
-        <p:txBody>
-          <a:bodyPr>
-            <a:normAutofit/>
-          </a:bodyPr>
-          <a:lstStyle/>
-          <a:p>
-            <a:r>
-              <a:rPr lang="en-US" dirty="0"/>
-              <a:t>Lessons Learned</a:t>
-            </a:r>
-          </a:p>
-        </p:txBody>
-      </p:sp>
-      <p:sp>
-        <p:nvSpPr>
-          <p:cNvPr id="3" name="Content Placeholder 2"/>
-          <p:cNvSpPr>
-            <a:spLocks noGrp="1"/>
-          </p:cNvSpPr>
-          <p:nvPr>
-            <p:ph idx="1"/>
-          </p:nvPr>
-        </p:nvSpPr>
-        <p:spPr>
-          <a:xfrm>
-            <a:off x="328028" y="1919912"/>
-            <a:ext cx="7196015" cy="4572963"/>
-          </a:xfrm>
-        </p:spPr>
-        <p:txBody>
-          <a:bodyPr anchor="ctr">
-            <a:normAutofit/>
-          </a:bodyPr>
-          <a:lstStyle/>
-          <a:p>
-            <a:pPr marL="0" indent="0">
-              <a:lnSpc>
-                <a:spcPct val="70000"/>
-              </a:lnSpc>
-              <a:buNone/>
-            </a:pPr>
-            <a:endParaRPr lang="en-US" b="1" dirty="0">
-              <a:solidFill>
-                <a:schemeClr val="bg1"/>
-              </a:solidFill>
-            </a:endParaRPr>
-          </a:p>
-          <a:p>
-            <a:pPr>
-              <a:lnSpc>
-                <a:spcPct val="70000"/>
-              </a:lnSpc>
-            </a:pPr>
-            <a:r>
-              <a:rPr lang="en-US" b="1" dirty="0">
-                <a:solidFill>
-                  <a:schemeClr val="bg1"/>
-                </a:solidFill>
-              </a:rPr>
-              <a:t>Collaboration is hard</a:t>
-            </a:r>
-          </a:p>
-          <a:p>
-            <a:pPr lvl="1">
-              <a:lnSpc>
-                <a:spcPct val="70000"/>
-              </a:lnSpc>
-            </a:pPr>
-            <a:r>
-              <a:rPr lang="en-US" dirty="0">
-                <a:solidFill>
-                  <a:schemeClr val="bg1"/>
-                </a:solidFill>
-              </a:rPr>
-              <a:t>Group Dynamics.</a:t>
-            </a:r>
-            <a:br>
-              <a:rPr lang="en-US" dirty="0">
-                <a:solidFill>
-                  <a:schemeClr val="bg1"/>
-                </a:solidFill>
-              </a:rPr>
-            </a:br>
-            <a:endParaRPr lang="en-US" dirty="0">
-              <a:solidFill>
-                <a:schemeClr val="bg1"/>
-              </a:solidFill>
-            </a:endParaRPr>
-          </a:p>
-          <a:p>
-            <a:pPr lvl="1">
-              <a:lnSpc>
-                <a:spcPct val="70000"/>
-              </a:lnSpc>
-            </a:pPr>
-            <a:r>
-              <a:rPr lang="en-US" dirty="0">
-                <a:solidFill>
-                  <a:schemeClr val="bg1"/>
-                </a:solidFill>
-              </a:rPr>
-              <a:t>Appreciating the work of others when you might accomplish the same task differently.</a:t>
-            </a:r>
-            <a:br>
-              <a:rPr lang="en-US" dirty="0">
-                <a:solidFill>
-                  <a:schemeClr val="bg1"/>
-                </a:solidFill>
-              </a:rPr>
-            </a:br>
-            <a:endParaRPr lang="en-US" dirty="0">
-              <a:solidFill>
-                <a:schemeClr val="bg1"/>
-              </a:solidFill>
-            </a:endParaRPr>
-          </a:p>
-          <a:p>
-            <a:pPr lvl="1">
-              <a:lnSpc>
-                <a:spcPct val="70000"/>
-              </a:lnSpc>
-            </a:pPr>
-            <a:r>
-              <a:rPr lang="en-US" dirty="0">
-                <a:solidFill>
-                  <a:schemeClr val="bg1"/>
-                </a:solidFill>
-              </a:rPr>
-              <a:t>Merging files that have been modified independently.</a:t>
-            </a:r>
-            <a:br>
-              <a:rPr lang="en-US" b="1" dirty="0">
-                <a:solidFill>
-                  <a:schemeClr val="bg1"/>
-                </a:solidFill>
-              </a:rPr>
-            </a:br>
-            <a:endParaRPr lang="en-US" b="1" dirty="0">
-              <a:solidFill>
-                <a:schemeClr val="bg1"/>
-              </a:solidFill>
-            </a:endParaRPr>
-          </a:p>
-          <a:p>
-            <a:pPr>
-              <a:lnSpc>
-                <a:spcPct val="70000"/>
-              </a:lnSpc>
-            </a:pPr>
-            <a:r>
-              <a:rPr lang="en-US" b="1" dirty="0">
-                <a:solidFill>
-                  <a:schemeClr val="bg1"/>
-                </a:solidFill>
-              </a:rPr>
-              <a:t>New tools can be difficult to adopt.</a:t>
-            </a:r>
-          </a:p>
-          <a:p>
-            <a:pPr lvl="1">
-              <a:lnSpc>
-                <a:spcPct val="70000"/>
-              </a:lnSpc>
-            </a:pPr>
-            <a:r>
-              <a:rPr lang="en-US" dirty="0">
-                <a:solidFill>
-                  <a:schemeClr val="bg1"/>
-                </a:solidFill>
-              </a:rPr>
-              <a:t>Ex</a:t>
-            </a:r>
-            <a:r>
-              <a:rPr lang="en-US">
-                <a:solidFill>
-                  <a:schemeClr val="bg1"/>
-                </a:solidFill>
-              </a:rPr>
-              <a:t>: Git</a:t>
-            </a:r>
-            <a:endParaRPr lang="en-US" dirty="0">
-              <a:solidFill>
-                <a:schemeClr val="bg1"/>
-              </a:solidFill>
-            </a:endParaRPr>
-          </a:p>
-          <a:p>
-            <a:pPr marL="0" indent="0">
-              <a:lnSpc>
-                <a:spcPct val="70000"/>
-              </a:lnSpc>
-              <a:buNone/>
-            </a:pPr>
-            <a:endParaRPr lang="en-US" sz="1900" dirty="0">
-              <a:solidFill>
-                <a:schemeClr val="bg1"/>
-              </a:solidFill>
-            </a:endParaRPr>
-          </a:p>
-        </p:txBody>
-      </p:sp>
-    </p:spTree>
-    <p:extLst>
-      <p:ext uri="{BB962C8B-B14F-4D97-AF65-F5344CB8AC3E}">
-        <p14:creationId xmlns:p14="http://schemas.microsoft.com/office/powerpoint/2010/main" val="1484214950"/>
       </p:ext>
     </p:extLst>
   </p:cSld>
